--- a/lesson04.pptx
+++ b/lesson04.pptx
@@ -5,7 +5,7 @@
     <p:sldMasterId id="2147483648" r:id="rId1"/>
   </p:sldMasterIdLst>
   <p:notesMasterIdLst>
-    <p:notesMasterId r:id="rId33"/>
+    <p:notesMasterId r:id="rId35"/>
   </p:notesMasterIdLst>
   <p:sldIdLst>
     <p:sldId id="358" r:id="rId2"/>
@@ -32,13 +32,15 @@
     <p:sldId id="360" r:id="rId23"/>
     <p:sldId id="347" r:id="rId24"/>
     <p:sldId id="348" r:id="rId25"/>
-    <p:sldId id="351" r:id="rId26"/>
-    <p:sldId id="352" r:id="rId27"/>
-    <p:sldId id="353" r:id="rId28"/>
-    <p:sldId id="354" r:id="rId29"/>
-    <p:sldId id="364" r:id="rId30"/>
-    <p:sldId id="356" r:id="rId31"/>
-    <p:sldId id="357" r:id="rId32"/>
+    <p:sldId id="365" r:id="rId26"/>
+    <p:sldId id="366" r:id="rId27"/>
+    <p:sldId id="351" r:id="rId28"/>
+    <p:sldId id="352" r:id="rId29"/>
+    <p:sldId id="353" r:id="rId30"/>
+    <p:sldId id="354" r:id="rId31"/>
+    <p:sldId id="364" r:id="rId32"/>
+    <p:sldId id="356" r:id="rId33"/>
+    <p:sldId id="357" r:id="rId34"/>
   </p:sldIdLst>
   <p:sldSz cx="12192000" cy="6858000"/>
   <p:notesSz cx="6858000" cy="9144000"/>
@@ -166,6 +168,8 @@
             <p14:sldId id="360"/>
             <p14:sldId id="347"/>
             <p14:sldId id="348"/>
+            <p14:sldId id="365"/>
+            <p14:sldId id="366"/>
             <p14:sldId id="351"/>
             <p14:sldId id="352"/>
             <p14:sldId id="353"/>
@@ -210,7 +214,7 @@
 <file path=ppt/revisionInfo.xml><?xml version="1.0" encoding="utf-8"?>
 <p1510:revInfo xmlns:a="http://schemas.openxmlformats.org/drawingml/2006/main" xmlns:r="http://schemas.openxmlformats.org/officeDocument/2006/relationships" xmlns:p1510="http://schemas.microsoft.com/office/powerpoint/2015/10/main">
   <p1510:revLst>
-    <p1510:client id="{8E6770F3-001F-4C52-BBDF-B6E4244309F3}" v="4" dt="2021-04-02T11:33:40.580"/>
+    <p1510:client id="{9FB6251F-F551-4D18-9265-F10A61047523}" v="2" dt="2021-04-04T17:51:07.811"/>
   </p1510:revLst>
 </p1510:revInfo>
 </file>
@@ -405,6 +409,85 @@
       </pc:sldChg>
     </pc:docChg>
   </pc:docChgLst>
+  <pc:docChgLst>
+    <pc:chgData name="Anatoliy Kigel" userId="7432c6c4687b0a9c" providerId="LiveId" clId="{9FB6251F-F551-4D18-9265-F10A61047523}"/>
+    <pc:docChg chg="undo custSel addSld modSld sldOrd modSection">
+      <pc:chgData name="Anatoliy Kigel" userId="7432c6c4687b0a9c" providerId="LiveId" clId="{9FB6251F-F551-4D18-9265-F10A61047523}" dt="2021-04-04T17:52:15.404" v="256" actId="1440"/>
+      <pc:docMkLst>
+        <pc:docMk/>
+      </pc:docMkLst>
+      <pc:sldChg chg="modSp add mod ord">
+        <pc:chgData name="Anatoliy Kigel" userId="7432c6c4687b0a9c" providerId="LiveId" clId="{9FB6251F-F551-4D18-9265-F10A61047523}" dt="2021-04-04T17:48:44.903" v="49" actId="20577"/>
+        <pc:sldMkLst>
+          <pc:docMk/>
+          <pc:sldMk cId="2803619757" sldId="365"/>
+        </pc:sldMkLst>
+        <pc:spChg chg="mod">
+          <ac:chgData name="Anatoliy Kigel" userId="7432c6c4687b0a9c" providerId="LiveId" clId="{9FB6251F-F551-4D18-9265-F10A61047523}" dt="2021-04-04T17:48:44.903" v="49" actId="20577"/>
+          <ac:spMkLst>
+            <pc:docMk/>
+            <pc:sldMk cId="2803619757" sldId="365"/>
+            <ac:spMk id="5" creationId="{00000000-0000-0000-0000-000000000000}"/>
+          </ac:spMkLst>
+        </pc:spChg>
+      </pc:sldChg>
+      <pc:sldChg chg="addSp delSp modSp add mod ord">
+        <pc:chgData name="Anatoliy Kigel" userId="7432c6c4687b0a9c" providerId="LiveId" clId="{9FB6251F-F551-4D18-9265-F10A61047523}" dt="2021-04-04T17:52:15.404" v="256" actId="1440"/>
+        <pc:sldMkLst>
+          <pc:docMk/>
+          <pc:sldMk cId="2395894973" sldId="366"/>
+        </pc:sldMkLst>
+        <pc:spChg chg="mod">
+          <ac:chgData name="Anatoliy Kigel" userId="7432c6c4687b0a9c" providerId="LiveId" clId="{9FB6251F-F551-4D18-9265-F10A61047523}" dt="2021-04-04T17:51:53.562" v="249" actId="1035"/>
+          <ac:spMkLst>
+            <pc:docMk/>
+            <pc:sldMk cId="2395894973" sldId="366"/>
+            <ac:spMk id="2" creationId="{00000000-0000-0000-0000-000000000000}"/>
+          </ac:spMkLst>
+        </pc:spChg>
+        <pc:spChg chg="mod">
+          <ac:chgData name="Anatoliy Kigel" userId="7432c6c4687b0a9c" providerId="LiveId" clId="{9FB6251F-F551-4D18-9265-F10A61047523}" dt="2021-04-04T17:51:50.747" v="237" actId="1036"/>
+          <ac:spMkLst>
+            <pc:docMk/>
+            <pc:sldMk cId="2395894973" sldId="366"/>
+            <ac:spMk id="3" creationId="{00000000-0000-0000-0000-000000000000}"/>
+          </ac:spMkLst>
+        </pc:spChg>
+        <pc:spChg chg="del">
+          <ac:chgData name="Anatoliy Kigel" userId="7432c6c4687b0a9c" providerId="LiveId" clId="{9FB6251F-F551-4D18-9265-F10A61047523}" dt="2021-04-04T17:50:37.824" v="182" actId="478"/>
+          <ac:spMkLst>
+            <pc:docMk/>
+            <pc:sldMk cId="2395894973" sldId="366"/>
+            <ac:spMk id="5" creationId="{00000000-0000-0000-0000-000000000000}"/>
+          </ac:spMkLst>
+        </pc:spChg>
+        <pc:spChg chg="mod">
+          <ac:chgData name="Anatoliy Kigel" userId="7432c6c4687b0a9c" providerId="LiveId" clId="{9FB6251F-F551-4D18-9265-F10A61047523}" dt="2021-04-04T17:52:07.952" v="255" actId="14100"/>
+          <ac:spMkLst>
+            <pc:docMk/>
+            <pc:sldMk cId="2395894973" sldId="366"/>
+            <ac:spMk id="6" creationId="{00000000-0000-0000-0000-000000000000}"/>
+          </ac:spMkLst>
+        </pc:spChg>
+        <pc:picChg chg="del">
+          <ac:chgData name="Anatoliy Kigel" userId="7432c6c4687b0a9c" providerId="LiveId" clId="{9FB6251F-F551-4D18-9265-F10A61047523}" dt="2021-04-04T17:48:47.177" v="50" actId="478"/>
+          <ac:picMkLst>
+            <pc:docMk/>
+            <pc:sldMk cId="2395894973" sldId="366"/>
+            <ac:picMk id="7" creationId="{00000000-0000-0000-0000-000000000000}"/>
+          </ac:picMkLst>
+        </pc:picChg>
+        <pc:picChg chg="add mod">
+          <ac:chgData name="Anatoliy Kigel" userId="7432c6c4687b0a9c" providerId="LiveId" clId="{9FB6251F-F551-4D18-9265-F10A61047523}" dt="2021-04-04T17:52:15.404" v="256" actId="1440"/>
+          <ac:picMkLst>
+            <pc:docMk/>
+            <pc:sldMk cId="2395894973" sldId="366"/>
+            <ac:picMk id="9" creationId="{DAE1DC5D-3000-4262-8D21-A166F8C11883}"/>
+          </ac:picMkLst>
+        </pc:picChg>
+      </pc:sldChg>
+    </pc:docChg>
+  </pc:docChgLst>
 </pc:chgInfo>
 </file>
 
@@ -491,7 +574,7 @@
             <a:fld id="{85522811-C5C6-42D2-A409-F8556720C93F}" type="datetimeFigureOut">
               <a:rPr lang="uk-UA" smtClean="0"/>
               <a:pPr/>
-              <a:t>02.04.2021</a:t>
+              <a:t>04.04.2021</a:t>
             </a:fld>
             <a:endParaRPr lang="uk-UA"/>
           </a:p>
@@ -1121,7 +1204,7 @@
             <a:fld id="{E6FC6B0D-6115-4D7C-8040-9C8E2349BB6E}" type="datetime1">
               <a:rPr lang="uk-UA" smtClean="0"/>
               <a:pPr/>
-              <a:t>02.04.2021</a:t>
+              <a:t>04.04.2021</a:t>
             </a:fld>
             <a:endParaRPr lang="uk-UA"/>
           </a:p>
@@ -1288,7 +1371,7 @@
             <a:fld id="{996367BA-0A39-4DE2-BFC3-D5290044365E}" type="datetime1">
               <a:rPr lang="uk-UA" smtClean="0"/>
               <a:pPr/>
-              <a:t>02.04.2021</a:t>
+              <a:t>04.04.2021</a:t>
             </a:fld>
             <a:endParaRPr lang="uk-UA"/>
           </a:p>
@@ -1465,7 +1548,7 @@
             <a:fld id="{1BD6A67F-6C29-47DC-AF8A-FDB3C787DF70}" type="datetime1">
               <a:rPr lang="uk-UA" smtClean="0"/>
               <a:pPr/>
-              <a:t>02.04.2021</a:t>
+              <a:t>04.04.2021</a:t>
             </a:fld>
             <a:endParaRPr lang="uk-UA"/>
           </a:p>
@@ -1632,7 +1715,7 @@
             <a:fld id="{1657D9C5-7FF1-434F-B56E-9BAD559744E9}" type="datetime1">
               <a:rPr lang="uk-UA" smtClean="0"/>
               <a:pPr/>
-              <a:t>02.04.2021</a:t>
+              <a:t>04.04.2021</a:t>
             </a:fld>
             <a:endParaRPr lang="uk-UA"/>
           </a:p>
@@ -1875,7 +1958,7 @@
             <a:fld id="{2CEB0FC9-DE63-476B-A1A9-BE934D9049F8}" type="datetime1">
               <a:rPr lang="uk-UA" smtClean="0"/>
               <a:pPr/>
-              <a:t>02.04.2021</a:t>
+              <a:t>04.04.2021</a:t>
             </a:fld>
             <a:endParaRPr lang="uk-UA"/>
           </a:p>
@@ -2160,7 +2243,7 @@
             <a:fld id="{F964460F-86E2-4DF6-9D0F-12F5005CF375}" type="datetime1">
               <a:rPr lang="uk-UA" smtClean="0"/>
               <a:pPr/>
-              <a:t>02.04.2021</a:t>
+              <a:t>04.04.2021</a:t>
             </a:fld>
             <a:endParaRPr lang="uk-UA"/>
           </a:p>
@@ -2579,7 +2662,7 @@
             <a:fld id="{C521715E-DDCD-4267-B0A5-2918B6F6768A}" type="datetime1">
               <a:rPr lang="uk-UA" smtClean="0"/>
               <a:pPr/>
-              <a:t>02.04.2021</a:t>
+              <a:t>04.04.2021</a:t>
             </a:fld>
             <a:endParaRPr lang="uk-UA"/>
           </a:p>
@@ -2694,7 +2777,7 @@
             <a:fld id="{9289842C-EB2D-4EBB-A272-2F6A49D9794D}" type="datetime1">
               <a:rPr lang="uk-UA" smtClean="0"/>
               <a:pPr/>
-              <a:t>02.04.2021</a:t>
+              <a:t>04.04.2021</a:t>
             </a:fld>
             <a:endParaRPr lang="uk-UA"/>
           </a:p>
@@ -2786,7 +2869,7 @@
             <a:fld id="{D036F091-B700-4B52-99AC-85D0FD94D904}" type="datetime1">
               <a:rPr lang="uk-UA" smtClean="0"/>
               <a:pPr/>
-              <a:t>02.04.2021</a:t>
+              <a:t>04.04.2021</a:t>
             </a:fld>
             <a:endParaRPr lang="uk-UA"/>
           </a:p>
@@ -3060,7 +3143,7 @@
             <a:fld id="{B35DFABA-3811-4634-B803-2EAC4CD0063B}" type="datetime1">
               <a:rPr lang="uk-UA" smtClean="0"/>
               <a:pPr/>
-              <a:t>02.04.2021</a:t>
+              <a:t>04.04.2021</a:t>
             </a:fld>
             <a:endParaRPr lang="uk-UA"/>
           </a:p>
@@ -3310,7 +3393,7 @@
             <a:fld id="{8A9EA25E-F88E-463A-A119-D1E55A881002}" type="datetime1">
               <a:rPr lang="uk-UA" smtClean="0"/>
               <a:pPr/>
-              <a:t>02.04.2021</a:t>
+              <a:t>04.04.2021</a:t>
             </a:fld>
             <a:endParaRPr lang="uk-UA"/>
           </a:p>
@@ -3520,7 +3603,7 @@
             <a:fld id="{E708ED03-0080-49A2-B709-7DA4ACB3A1C3}" type="datetime1">
               <a:rPr lang="uk-UA" smtClean="0"/>
               <a:pPr/>
-              <a:t>02.04.2021</a:t>
+              <a:t>04.04.2021</a:t>
             </a:fld>
             <a:endParaRPr lang="uk-UA"/>
           </a:p>
@@ -8660,24 +8743,24 @@
           <a:p>
             <a:pPr algn="ctr"/>
             <a:r>
-              <a:rPr lang="ru-RU" sz="8800" b="1" dirty="0"/>
-              <a:t>Домашнее</a:t>
+              <a:rPr lang="ru-RU" sz="7200" b="1" dirty="0"/>
+              <a:t>6. Код который </a:t>
             </a:r>
           </a:p>
           <a:p>
             <a:pPr algn="ctr"/>
             <a:r>
-              <a:rPr lang="ru-RU" sz="8800" b="1" dirty="0"/>
-              <a:t> задание</a:t>
-            </a:r>
-            <a:endParaRPr lang="uk-UA" sz="8800" b="1" dirty="0"/>
+              <a:rPr lang="ru-RU" sz="7200" b="1" dirty="0"/>
+              <a:t>«всегда нужен»</a:t>
+            </a:r>
+            <a:endParaRPr lang="uk-UA" sz="7200" b="1" dirty="0"/>
           </a:p>
         </p:txBody>
       </p:sp>
     </p:spTree>
     <p:extLst>
       <p:ext uri="{BB962C8B-B14F-4D97-AF65-F5344CB8AC3E}">
-        <p14:creationId xmlns:p14="http://schemas.microsoft.com/office/powerpoint/2010/main" val="1309965003"/>
+        <p14:creationId xmlns:p14="http://schemas.microsoft.com/office/powerpoint/2010/main" val="2803619757"/>
       </p:ext>
     </p:extLst>
   </p:cSld>
@@ -8706,7 +8789,64 @@
       </p:grpSpPr>
       <p:sp>
         <p:nvSpPr>
-          <p:cNvPr id="5" name="Номер слайда 36"/>
+          <p:cNvPr id="3" name="TextBox 2"/>
+          <p:cNvSpPr txBox="1"/>
+          <p:nvPr/>
+        </p:nvSpPr>
+        <p:spPr>
+          <a:xfrm>
+            <a:off x="0" y="427311"/>
+            <a:ext cx="12192000" cy="769441"/>
+          </a:xfrm>
+          <a:prstGeom prst="rect">
+            <a:avLst/>
+          </a:prstGeom>
+          <a:noFill/>
+        </p:spPr>
+        <p:txBody>
+          <a:bodyPr wrap="square" rtlCol="0">
+            <a:spAutoFit/>
+          </a:bodyPr>
+          <a:lstStyle/>
+          <a:p>
+            <a:pPr algn="ctr"/>
+            <a:r>
+              <a:rPr lang="uk-UA" sz="4400" b="1" i="0" dirty="0" err="1">
+                <a:solidFill>
+                  <a:srgbClr val="222222"/>
+                </a:solidFill>
+                <a:effectLst/>
+                <a:latin typeface="Google Sans"/>
+              </a:rPr>
+              <a:t>Бойлерплейт</a:t>
+            </a:r>
+            <a:r>
+              <a:rPr lang="uk-UA" sz="4400" b="1" i="0" dirty="0">
+                <a:solidFill>
+                  <a:srgbClr val="222222"/>
+                </a:solidFill>
+                <a:effectLst/>
+                <a:latin typeface="Google Sans"/>
+              </a:rPr>
+              <a:t> (</a:t>
+            </a:r>
+            <a:r>
+              <a:rPr lang="en-US" sz="4400" b="1" i="0" dirty="0">
+                <a:solidFill>
+                  <a:srgbClr val="222222"/>
+                </a:solidFill>
+                <a:effectLst/>
+                <a:latin typeface="Google Sans"/>
+              </a:rPr>
+              <a:t>Boilerplate code)</a:t>
+            </a:r>
+            <a:endParaRPr lang="ru-RU" sz="4400" b="1" dirty="0"/>
+          </a:p>
+        </p:txBody>
+      </p:sp>
+      <p:sp>
+        <p:nvSpPr>
+          <p:cNvPr id="8" name="Номер слайда 36"/>
           <p:cNvSpPr txBox="1">
             <a:spLocks/>
           </p:cNvSpPr>
@@ -8714,7 +8854,7 @@
         </p:nvSpPr>
         <p:spPr>
           <a:xfrm>
-            <a:off x="11254495" y="6237312"/>
+            <a:off x="11280576" y="6236732"/>
             <a:ext cx="648072" cy="432048"/>
           </a:xfrm>
           <a:prstGeom prst="roundRect">
@@ -8763,6 +8903,335 @@
                 <a:defRPr/>
               </a:pPr>
               <a:t>26</a:t>
+            </a:fld>
+            <a:endParaRPr lang="uk-UA" sz="2400" b="1" dirty="0">
+              <a:solidFill>
+                <a:schemeClr val="bg1">
+                  <a:lumMod val="50000"/>
+                </a:schemeClr>
+              </a:solidFill>
+            </a:endParaRPr>
+          </a:p>
+        </p:txBody>
+      </p:sp>
+      <p:sp>
+        <p:nvSpPr>
+          <p:cNvPr id="2" name="Прямоугольник 1"/>
+          <p:cNvSpPr/>
+          <p:nvPr/>
+        </p:nvSpPr>
+        <p:spPr>
+          <a:xfrm>
+            <a:off x="6096000" y="4653136"/>
+            <a:ext cx="4339842" cy="830997"/>
+          </a:xfrm>
+          <a:prstGeom prst="rect">
+            <a:avLst/>
+          </a:prstGeom>
+        </p:spPr>
+        <p:txBody>
+          <a:bodyPr wrap="none">
+            <a:spAutoFit/>
+          </a:bodyPr>
+          <a:lstStyle/>
+          <a:p>
+            <a:r>
+              <a:rPr lang="en-US" sz="2400" b="1" dirty="0">
+                <a:hlinkClick r:id="rId2"/>
+              </a:rPr>
+              <a:t>https://webref.ru/css/overflow</a:t>
+            </a:r>
+            <a:endParaRPr lang="ru-RU" sz="2400" b="1" dirty="0"/>
+          </a:p>
+          <a:p>
+            <a:r>
+              <a:rPr lang="en-US" sz="2400" b="1" dirty="0">
+                <a:hlinkClick r:id="rId3"/>
+              </a:rPr>
+              <a:t>https://webref.ru/css/box-sizing</a:t>
+            </a:r>
+            <a:endParaRPr lang="en-US" sz="2400" b="1" dirty="0"/>
+          </a:p>
+        </p:txBody>
+      </p:sp>
+      <p:sp>
+        <p:nvSpPr>
+          <p:cNvPr id="6" name="TextBox 5"/>
+          <p:cNvSpPr txBox="1"/>
+          <p:nvPr/>
+        </p:nvSpPr>
+        <p:spPr>
+          <a:xfrm>
+            <a:off x="6096000" y="1700808"/>
+            <a:ext cx="5112567" cy="2246769"/>
+          </a:xfrm>
+          <a:prstGeom prst="rect">
+            <a:avLst/>
+          </a:prstGeom>
+          <a:noFill/>
+        </p:spPr>
+        <p:txBody>
+          <a:bodyPr wrap="square" rtlCol="0">
+            <a:spAutoFit/>
+          </a:bodyPr>
+          <a:lstStyle/>
+          <a:p>
+            <a:r>
+              <a:rPr lang="ru-RU" sz="2800" dirty="0"/>
+              <a:t>Код который переводит </a:t>
+            </a:r>
+            <a:r>
+              <a:rPr lang="en-US" sz="2800" b="1" dirty="0"/>
+              <a:t>CSS</a:t>
+            </a:r>
+            <a:r>
+              <a:rPr lang="en-US" sz="2800" dirty="0"/>
+              <a:t> </a:t>
+            </a:r>
+            <a:r>
+              <a:rPr lang="ru-RU" sz="2800" dirty="0"/>
+              <a:t>в общепринятый режим работы по управлению размерами.</a:t>
+            </a:r>
+          </a:p>
+          <a:p>
+            <a:r>
+              <a:rPr lang="ru-RU" sz="2800" dirty="0"/>
+              <a:t>Селектор </a:t>
+            </a:r>
+            <a:r>
+              <a:rPr lang="ru-RU" sz="2800" b="1" dirty="0"/>
+              <a:t>*</a:t>
+            </a:r>
+            <a:r>
+              <a:rPr lang="ru-RU" sz="2800" dirty="0"/>
+              <a:t> означает –</a:t>
+            </a:r>
+            <a:r>
+              <a:rPr lang="ru-RU" sz="2800" b="1" dirty="0"/>
+              <a:t> для всех тегов</a:t>
+            </a:r>
+            <a:r>
+              <a:rPr lang="ru-RU" sz="2800" dirty="0"/>
+              <a:t>.</a:t>
+            </a:r>
+          </a:p>
+        </p:txBody>
+      </p:sp>
+      <p:pic>
+        <p:nvPicPr>
+          <p:cNvPr id="9" name="Рисунок 8">
+            <a:extLst>
+              <a:ext uri="{FF2B5EF4-FFF2-40B4-BE49-F238E27FC236}">
+                <a16:creationId xmlns:a16="http://schemas.microsoft.com/office/drawing/2014/main" id="{DAE1DC5D-3000-4262-8D21-A166F8C11883}"/>
+              </a:ext>
+            </a:extLst>
+          </p:cNvPr>
+          <p:cNvPicPr>
+            <a:picLocks noChangeAspect="1"/>
+          </p:cNvPicPr>
+          <p:nvPr/>
+        </p:nvPicPr>
+        <p:blipFill>
+          <a:blip r:embed="rId4"/>
+          <a:stretch>
+            <a:fillRect/>
+          </a:stretch>
+        </p:blipFill>
+        <p:spPr>
+          <a:xfrm>
+            <a:off x="839416" y="1700808"/>
+            <a:ext cx="4896570" cy="3614460"/>
+          </a:xfrm>
+          <a:prstGeom prst="rect">
+            <a:avLst/>
+          </a:prstGeom>
+          <a:ln>
+            <a:noFill/>
+          </a:ln>
+          <a:effectLst>
+            <a:outerShdw blurRad="190500" algn="tl" rotWithShape="0">
+              <a:srgbClr val="000000">
+                <a:alpha val="70000"/>
+              </a:srgbClr>
+            </a:outerShdw>
+          </a:effectLst>
+        </p:spPr>
+      </p:pic>
+    </p:spTree>
+    <p:extLst>
+      <p:ext uri="{BB962C8B-B14F-4D97-AF65-F5344CB8AC3E}">
+        <p14:creationId xmlns:p14="http://schemas.microsoft.com/office/powerpoint/2010/main" val="2395894973"/>
+      </p:ext>
+    </p:extLst>
+  </p:cSld>
+  <p:clrMapOvr>
+    <a:masterClrMapping/>
+  </p:clrMapOvr>
+</p:sld>
+</file>
+
+<file path=ppt/slides/slide27.xml><?xml version="1.0" encoding="utf-8"?>
+<p:sld xmlns:a="http://schemas.openxmlformats.org/drawingml/2006/main" xmlns:r="http://schemas.openxmlformats.org/officeDocument/2006/relationships" xmlns:p="http://schemas.openxmlformats.org/presentationml/2006/main">
+  <p:cSld>
+    <p:spTree>
+      <p:nvGrpSpPr>
+        <p:cNvPr id="1" name=""/>
+        <p:cNvGrpSpPr/>
+        <p:nvPr/>
+      </p:nvGrpSpPr>
+      <p:grpSpPr>
+        <a:xfrm>
+          <a:off x="0" y="0"/>
+          <a:ext cx="0" cy="0"/>
+          <a:chOff x="0" y="0"/>
+          <a:chExt cx="0" cy="0"/>
+        </a:xfrm>
+      </p:grpSpPr>
+      <p:sp>
+        <p:nvSpPr>
+          <p:cNvPr id="5" name="Прямоугольник 4"/>
+          <p:cNvSpPr/>
+          <p:nvPr/>
+        </p:nvSpPr>
+        <p:spPr>
+          <a:xfrm>
+            <a:off x="0" y="0"/>
+            <a:ext cx="12192000" cy="6858000"/>
+          </a:xfrm>
+          <a:prstGeom prst="rect">
+            <a:avLst/>
+          </a:prstGeom>
+          <a:solidFill>
+            <a:schemeClr val="tx2">
+              <a:lumMod val="75000"/>
+            </a:schemeClr>
+          </a:solidFill>
+        </p:spPr>
+        <p:style>
+          <a:lnRef idx="2">
+            <a:schemeClr val="accent1">
+              <a:shade val="50000"/>
+            </a:schemeClr>
+          </a:lnRef>
+          <a:fillRef idx="1">
+            <a:schemeClr val="accent1"/>
+          </a:fillRef>
+          <a:effectRef idx="0">
+            <a:schemeClr val="accent1"/>
+          </a:effectRef>
+          <a:fontRef idx="minor">
+            <a:schemeClr val="lt1"/>
+          </a:fontRef>
+        </p:style>
+        <p:txBody>
+          <a:bodyPr rtlCol="0" anchor="ctr"/>
+          <a:lstStyle/>
+          <a:p>
+            <a:pPr algn="ctr"/>
+            <a:r>
+              <a:rPr lang="ru-RU" sz="8800" b="1" dirty="0"/>
+              <a:t>Домашнее</a:t>
+            </a:r>
+          </a:p>
+          <a:p>
+            <a:pPr algn="ctr"/>
+            <a:r>
+              <a:rPr lang="ru-RU" sz="8800" b="1" dirty="0"/>
+              <a:t> задание</a:t>
+            </a:r>
+            <a:endParaRPr lang="uk-UA" sz="8800" b="1" dirty="0"/>
+          </a:p>
+        </p:txBody>
+      </p:sp>
+    </p:spTree>
+    <p:extLst>
+      <p:ext uri="{BB962C8B-B14F-4D97-AF65-F5344CB8AC3E}">
+        <p14:creationId xmlns:p14="http://schemas.microsoft.com/office/powerpoint/2010/main" val="1309965003"/>
+      </p:ext>
+    </p:extLst>
+  </p:cSld>
+  <p:clrMapOvr>
+    <a:masterClrMapping/>
+  </p:clrMapOvr>
+</p:sld>
+</file>
+
+<file path=ppt/slides/slide28.xml><?xml version="1.0" encoding="utf-8"?>
+<p:sld xmlns:a="http://schemas.openxmlformats.org/drawingml/2006/main" xmlns:r="http://schemas.openxmlformats.org/officeDocument/2006/relationships" xmlns:p="http://schemas.openxmlformats.org/presentationml/2006/main">
+  <p:cSld>
+    <p:spTree>
+      <p:nvGrpSpPr>
+        <p:cNvPr id="1" name=""/>
+        <p:cNvGrpSpPr/>
+        <p:nvPr/>
+      </p:nvGrpSpPr>
+      <p:grpSpPr>
+        <a:xfrm>
+          <a:off x="0" y="0"/>
+          <a:ext cx="0" cy="0"/>
+          <a:chOff x="0" y="0"/>
+          <a:chExt cx="0" cy="0"/>
+        </a:xfrm>
+      </p:grpSpPr>
+      <p:sp>
+        <p:nvSpPr>
+          <p:cNvPr id="5" name="Номер слайда 36"/>
+          <p:cNvSpPr txBox="1">
+            <a:spLocks/>
+          </p:cNvSpPr>
+          <p:nvPr/>
+        </p:nvSpPr>
+        <p:spPr>
+          <a:xfrm>
+            <a:off x="11254495" y="6237312"/>
+            <a:ext cx="648072" cy="432048"/>
+          </a:xfrm>
+          <a:prstGeom prst="roundRect">
+            <a:avLst/>
+          </a:prstGeom>
+          <a:ln w="25400" cap="flat" cmpd="sng" algn="ctr">
+            <a:solidFill>
+              <a:schemeClr val="tx2">
+                <a:lumMod val="60000"/>
+                <a:lumOff val="40000"/>
+              </a:schemeClr>
+            </a:solidFill>
+            <a:prstDash val="solid"/>
+          </a:ln>
+        </p:spPr>
+        <p:style>
+          <a:lnRef idx="2">
+            <a:schemeClr val="accent1"/>
+          </a:lnRef>
+          <a:fillRef idx="1">
+            <a:schemeClr val="lt1"/>
+          </a:fillRef>
+          <a:effectRef idx="0">
+            <a:schemeClr val="accent1"/>
+          </a:effectRef>
+          <a:fontRef idx="minor">
+            <a:schemeClr val="dk1"/>
+          </a:fontRef>
+        </p:style>
+        <p:txBody>
+          <a:bodyPr vert="horz" lIns="91440" tIns="45720" rIns="91440" bIns="45720" rtlCol="0" anchor="ctr"/>
+          <a:lstStyle/>
+          <a:p>
+            <a:pPr algn="ctr">
+              <a:defRPr/>
+            </a:pPr>
+            <a:fld id="{6389AA22-90B4-448C-8B6B-C699140D38B9}" type="slidenum">
+              <a:rPr lang="uk-UA" sz="2400" b="1">
+                <a:solidFill>
+                  <a:schemeClr val="bg1">
+                    <a:lumMod val="50000"/>
+                  </a:schemeClr>
+                </a:solidFill>
+              </a:rPr>
+              <a:pPr algn="ctr">
+                <a:defRPr/>
+              </a:pPr>
+              <a:t>28</a:t>
             </a:fld>
             <a:endParaRPr lang="uk-UA" sz="2400" b="1" dirty="0">
               <a:solidFill>
@@ -8980,7 +9449,7 @@
 </p:sld>
 </file>
 
-<file path=ppt/slides/slide27.xml><?xml version="1.0" encoding="utf-8"?>
+<file path=ppt/slides/slide29.xml><?xml version="1.0" encoding="utf-8"?>
 <p:sld xmlns:a="http://schemas.openxmlformats.org/drawingml/2006/main" xmlns:r="http://schemas.openxmlformats.org/officeDocument/2006/relationships" xmlns:p="http://schemas.openxmlformats.org/presentationml/2006/main">
   <p:cSld>
     <p:spTree>
@@ -9118,7 +9587,593 @@
 </p:sld>
 </file>
 
-<file path=ppt/slides/slide28.xml><?xml version="1.0" encoding="utf-8"?>
+<file path=ppt/slides/slide3.xml><?xml version="1.0" encoding="utf-8"?>
+<p:sld xmlns:a="http://schemas.openxmlformats.org/drawingml/2006/main" xmlns:r="http://schemas.openxmlformats.org/officeDocument/2006/relationships" xmlns:p="http://schemas.openxmlformats.org/presentationml/2006/main">
+  <p:cSld>
+    <p:spTree>
+      <p:nvGrpSpPr>
+        <p:cNvPr id="1" name=""/>
+        <p:cNvGrpSpPr/>
+        <p:nvPr/>
+      </p:nvGrpSpPr>
+      <p:grpSpPr>
+        <a:xfrm>
+          <a:off x="0" y="0"/>
+          <a:ext cx="0" cy="0"/>
+          <a:chOff x="0" y="0"/>
+          <a:chExt cx="0" cy="0"/>
+        </a:xfrm>
+      </p:grpSpPr>
+      <p:sp>
+        <p:nvSpPr>
+          <p:cNvPr id="5" name="TextBox 4"/>
+          <p:cNvSpPr txBox="1"/>
+          <p:nvPr/>
+        </p:nvSpPr>
+        <p:spPr>
+          <a:xfrm>
+            <a:off x="0" y="404664"/>
+            <a:ext cx="12192000" cy="707886"/>
+          </a:xfrm>
+          <a:prstGeom prst="rect">
+            <a:avLst/>
+          </a:prstGeom>
+          <a:noFill/>
+        </p:spPr>
+        <p:txBody>
+          <a:bodyPr wrap="square" rtlCol="0">
+            <a:spAutoFit/>
+          </a:bodyPr>
+          <a:lstStyle/>
+          <a:p>
+            <a:pPr algn="ctr"/>
+            <a:r>
+              <a:rPr lang="ru-RU" sz="4000" b="1" dirty="0"/>
+              <a:t>Синтаксис </a:t>
+            </a:r>
+            <a:r>
+              <a:rPr lang="en-US" sz="4000" b="1" dirty="0"/>
+              <a:t>CSS</a:t>
+            </a:r>
+          </a:p>
+        </p:txBody>
+      </p:sp>
+      <p:sp>
+        <p:nvSpPr>
+          <p:cNvPr id="7" name="Номер слайда 36"/>
+          <p:cNvSpPr txBox="1">
+            <a:spLocks/>
+          </p:cNvSpPr>
+          <p:nvPr/>
+        </p:nvSpPr>
+        <p:spPr>
+          <a:xfrm>
+            <a:off x="11280576" y="6165304"/>
+            <a:ext cx="648072" cy="432048"/>
+          </a:xfrm>
+          <a:prstGeom prst="roundRect">
+            <a:avLst/>
+          </a:prstGeom>
+          <a:ln w="25400" cap="flat" cmpd="sng" algn="ctr">
+            <a:solidFill>
+              <a:schemeClr val="tx2">
+                <a:lumMod val="60000"/>
+                <a:lumOff val="40000"/>
+              </a:schemeClr>
+            </a:solidFill>
+            <a:prstDash val="solid"/>
+          </a:ln>
+        </p:spPr>
+        <p:style>
+          <a:lnRef idx="2">
+            <a:schemeClr val="accent1"/>
+          </a:lnRef>
+          <a:fillRef idx="1">
+            <a:schemeClr val="lt1"/>
+          </a:fillRef>
+          <a:effectRef idx="0">
+            <a:schemeClr val="accent1"/>
+          </a:effectRef>
+          <a:fontRef idx="minor">
+            <a:schemeClr val="dk1"/>
+          </a:fontRef>
+        </p:style>
+        <p:txBody>
+          <a:bodyPr vert="horz" lIns="91440" tIns="45720" rIns="91440" bIns="45720" rtlCol="0" anchor="ctr"/>
+          <a:lstStyle/>
+          <a:p>
+            <a:pPr algn="ctr">
+              <a:defRPr/>
+            </a:pPr>
+            <a:fld id="{6389AA22-90B4-448C-8B6B-C699140D38B9}" type="slidenum">
+              <a:rPr lang="uk-UA" sz="2400" b="1">
+                <a:solidFill>
+                  <a:schemeClr val="bg1">
+                    <a:lumMod val="50000"/>
+                  </a:schemeClr>
+                </a:solidFill>
+              </a:rPr>
+              <a:pPr algn="ctr">
+                <a:defRPr/>
+              </a:pPr>
+              <a:t>3</a:t>
+            </a:fld>
+            <a:endParaRPr lang="uk-UA" sz="2400" b="1" dirty="0">
+              <a:solidFill>
+                <a:schemeClr val="bg1">
+                  <a:lumMod val="50000"/>
+                </a:schemeClr>
+              </a:solidFill>
+            </a:endParaRPr>
+          </a:p>
+        </p:txBody>
+      </p:sp>
+      <p:sp>
+        <p:nvSpPr>
+          <p:cNvPr id="8" name="Прямоугольник 7"/>
+          <p:cNvSpPr/>
+          <p:nvPr/>
+        </p:nvSpPr>
+        <p:spPr>
+          <a:xfrm>
+            <a:off x="2267682" y="2875583"/>
+            <a:ext cx="7575856" cy="769441"/>
+          </a:xfrm>
+          <a:prstGeom prst="rect">
+            <a:avLst/>
+          </a:prstGeom>
+        </p:spPr>
+        <p:txBody>
+          <a:bodyPr wrap="none">
+            <a:spAutoFit/>
+          </a:bodyPr>
+          <a:lstStyle/>
+          <a:p>
+            <a:pPr algn="ctr"/>
+            <a:r>
+              <a:rPr lang="en-US" sz="4400" b="1" dirty="0">
+                <a:solidFill>
+                  <a:srgbClr val="FF0000"/>
+                </a:solidFill>
+              </a:rPr>
+              <a:t>h2</a:t>
+            </a:r>
+            <a:r>
+              <a:rPr lang="en-US" sz="4400" b="1" dirty="0"/>
+              <a:t> { </a:t>
+            </a:r>
+            <a:r>
+              <a:rPr lang="en-US" sz="4400" b="1" dirty="0">
+                <a:solidFill>
+                  <a:srgbClr val="00B050"/>
+                </a:solidFill>
+              </a:rPr>
+              <a:t>color</a:t>
+            </a:r>
+            <a:r>
+              <a:rPr lang="en-US" sz="4400" b="1" dirty="0"/>
+              <a:t>: </a:t>
+            </a:r>
+            <a:r>
+              <a:rPr lang="en-US" sz="4400" b="1" dirty="0">
+                <a:solidFill>
+                  <a:schemeClr val="accent6"/>
+                </a:solidFill>
+              </a:rPr>
+              <a:t>red</a:t>
+            </a:r>
+            <a:r>
+              <a:rPr lang="en-US" sz="4400" b="1" dirty="0"/>
+              <a:t>; </a:t>
+            </a:r>
+            <a:r>
+              <a:rPr lang="en-US" sz="4400" b="1" dirty="0">
+                <a:solidFill>
+                  <a:srgbClr val="00B050"/>
+                </a:solidFill>
+              </a:rPr>
+              <a:t>font-size</a:t>
+            </a:r>
+            <a:r>
+              <a:rPr lang="en-US" sz="4400" b="1" dirty="0"/>
+              <a:t>: </a:t>
+            </a:r>
+            <a:r>
+              <a:rPr lang="en-US" sz="4400" b="1" dirty="0">
+                <a:solidFill>
+                  <a:schemeClr val="accent6"/>
+                </a:solidFill>
+              </a:rPr>
+              <a:t>16pt</a:t>
+            </a:r>
+            <a:r>
+              <a:rPr lang="en-US" sz="4400" b="1" dirty="0"/>
+              <a:t>; }</a:t>
+            </a:r>
+          </a:p>
+        </p:txBody>
+      </p:sp>
+      <p:sp>
+        <p:nvSpPr>
+          <p:cNvPr id="10" name="Прямоугольная выноска 9"/>
+          <p:cNvSpPr/>
+          <p:nvPr/>
+        </p:nvSpPr>
+        <p:spPr>
+          <a:xfrm>
+            <a:off x="2135560" y="1412776"/>
+            <a:ext cx="3528392" cy="1368152"/>
+          </a:xfrm>
+          <a:prstGeom prst="wedgeRectCallout">
+            <a:avLst>
+              <a:gd name="adj1" fmla="val -31359"/>
+              <a:gd name="adj2" fmla="val 65746"/>
+            </a:avLst>
+          </a:prstGeom>
+          <a:noFill/>
+          <a:ln>
+            <a:solidFill>
+              <a:srgbClr val="FF0000"/>
+            </a:solidFill>
+          </a:ln>
+        </p:spPr>
+        <p:style>
+          <a:lnRef idx="2">
+            <a:schemeClr val="accent1">
+              <a:shade val="50000"/>
+            </a:schemeClr>
+          </a:lnRef>
+          <a:fillRef idx="1">
+            <a:schemeClr val="accent1"/>
+          </a:fillRef>
+          <a:effectRef idx="0">
+            <a:schemeClr val="accent1"/>
+          </a:effectRef>
+          <a:fontRef idx="minor">
+            <a:schemeClr val="lt1"/>
+          </a:fontRef>
+        </p:style>
+        <p:txBody>
+          <a:bodyPr rtlCol="0" anchor="ctr"/>
+          <a:lstStyle/>
+          <a:p>
+            <a:pPr algn="just"/>
+            <a:r>
+              <a:rPr lang="en-US" sz="2000" b="1" dirty="0">
+                <a:solidFill>
+                  <a:schemeClr val="tx1"/>
+                </a:solidFill>
+              </a:rPr>
+              <a:t>CSS </a:t>
+            </a:r>
+            <a:r>
+              <a:rPr lang="ru-RU" sz="2000" b="1" dirty="0">
+                <a:solidFill>
+                  <a:schemeClr val="tx1"/>
+                </a:solidFill>
+              </a:rPr>
+              <a:t>селектор</a:t>
+            </a:r>
+            <a:r>
+              <a:rPr lang="ru-RU" sz="2000" dirty="0">
+                <a:solidFill>
+                  <a:schemeClr val="tx1"/>
+                </a:solidFill>
+              </a:rPr>
+              <a:t>, говорит к каким тегам (элементам) будет применятся описываемый стиль</a:t>
+            </a:r>
+            <a:r>
+              <a:rPr lang="en-US" sz="2000" dirty="0">
+                <a:solidFill>
+                  <a:schemeClr val="tx1"/>
+                </a:solidFill>
+              </a:rPr>
+              <a:t> (</a:t>
+            </a:r>
+            <a:r>
+              <a:rPr lang="en-US" sz="2000" b="1" dirty="0" err="1">
+                <a:solidFill>
+                  <a:schemeClr val="tx1"/>
+                </a:solidFill>
+              </a:rPr>
+              <a:t>css</a:t>
+            </a:r>
+            <a:r>
+              <a:rPr lang="en-US" sz="2000" b="1" dirty="0">
+                <a:solidFill>
+                  <a:schemeClr val="tx1"/>
+                </a:solidFill>
+              </a:rPr>
+              <a:t> selector</a:t>
+            </a:r>
+            <a:r>
+              <a:rPr lang="en-US" sz="2000" dirty="0">
+                <a:solidFill>
+                  <a:schemeClr val="tx1"/>
+                </a:solidFill>
+              </a:rPr>
+              <a:t>)</a:t>
+            </a:r>
+            <a:r>
+              <a:rPr lang="ru-RU" sz="2000" dirty="0">
+                <a:solidFill>
+                  <a:schemeClr val="tx1"/>
+                </a:solidFill>
+              </a:rPr>
+              <a:t>.</a:t>
+            </a:r>
+          </a:p>
+        </p:txBody>
+      </p:sp>
+      <p:sp>
+        <p:nvSpPr>
+          <p:cNvPr id="11" name="Прямоугольная выноска 10"/>
+          <p:cNvSpPr/>
+          <p:nvPr/>
+        </p:nvSpPr>
+        <p:spPr>
+          <a:xfrm flipV="1">
+            <a:off x="2927648" y="3717032"/>
+            <a:ext cx="3600400" cy="864096"/>
+          </a:xfrm>
+          <a:prstGeom prst="wedgeRectCallout">
+            <a:avLst/>
+          </a:prstGeom>
+          <a:noFill/>
+          <a:ln>
+            <a:solidFill>
+              <a:srgbClr val="00B050"/>
+            </a:solidFill>
+          </a:ln>
+        </p:spPr>
+        <p:style>
+          <a:lnRef idx="2">
+            <a:schemeClr val="accent1">
+              <a:shade val="50000"/>
+            </a:schemeClr>
+          </a:lnRef>
+          <a:fillRef idx="1">
+            <a:schemeClr val="accent1"/>
+          </a:fillRef>
+          <a:effectRef idx="0">
+            <a:schemeClr val="accent1"/>
+          </a:effectRef>
+          <a:fontRef idx="minor">
+            <a:schemeClr val="lt1"/>
+          </a:fontRef>
+        </p:style>
+        <p:txBody>
+          <a:bodyPr rtlCol="0" anchor="ctr"/>
+          <a:lstStyle/>
+          <a:p>
+            <a:pPr algn="ctr"/>
+            <a:endParaRPr lang="ru-RU" dirty="0">
+              <a:solidFill>
+                <a:schemeClr val="tx1"/>
+              </a:solidFill>
+            </a:endParaRPr>
+          </a:p>
+        </p:txBody>
+      </p:sp>
+      <p:sp>
+        <p:nvSpPr>
+          <p:cNvPr id="12" name="TextBox 11"/>
+          <p:cNvSpPr txBox="1"/>
+          <p:nvPr/>
+        </p:nvSpPr>
+        <p:spPr>
+          <a:xfrm>
+            <a:off x="3071664" y="3789040"/>
+            <a:ext cx="3384376" cy="707886"/>
+          </a:xfrm>
+          <a:prstGeom prst="rect">
+            <a:avLst/>
+          </a:prstGeom>
+          <a:noFill/>
+        </p:spPr>
+        <p:txBody>
+          <a:bodyPr wrap="square" rtlCol="0">
+            <a:spAutoFit/>
+          </a:bodyPr>
+          <a:lstStyle/>
+          <a:p>
+            <a:pPr algn="just"/>
+            <a:r>
+              <a:rPr lang="ru-RU" sz="2000" dirty="0"/>
+              <a:t>Имя свойства, которое устанавливается (</a:t>
+            </a:r>
+            <a:r>
+              <a:rPr lang="en-US" sz="2000" b="1" dirty="0"/>
+              <a:t>property</a:t>
+            </a:r>
+            <a:r>
+              <a:rPr lang="ru-RU" sz="2000" dirty="0"/>
+              <a:t>).</a:t>
+            </a:r>
+          </a:p>
+        </p:txBody>
+      </p:sp>
+      <p:sp>
+        <p:nvSpPr>
+          <p:cNvPr id="13" name="Прямоугольная выноска 12"/>
+          <p:cNvSpPr/>
+          <p:nvPr/>
+        </p:nvSpPr>
+        <p:spPr>
+          <a:xfrm>
+            <a:off x="6096000" y="1412776"/>
+            <a:ext cx="4104456" cy="1368152"/>
+          </a:xfrm>
+          <a:prstGeom prst="wedgeRectCallout">
+            <a:avLst>
+              <a:gd name="adj1" fmla="val 20990"/>
+              <a:gd name="adj2" fmla="val 69756"/>
+            </a:avLst>
+          </a:prstGeom>
+          <a:noFill/>
+          <a:ln>
+            <a:solidFill>
+              <a:schemeClr val="accent6"/>
+            </a:solidFill>
+          </a:ln>
+        </p:spPr>
+        <p:style>
+          <a:lnRef idx="2">
+            <a:schemeClr val="accent1">
+              <a:shade val="50000"/>
+            </a:schemeClr>
+          </a:lnRef>
+          <a:fillRef idx="1">
+            <a:schemeClr val="accent1"/>
+          </a:fillRef>
+          <a:effectRef idx="0">
+            <a:schemeClr val="accent1"/>
+          </a:effectRef>
+          <a:fontRef idx="minor">
+            <a:schemeClr val="lt1"/>
+          </a:fontRef>
+        </p:style>
+        <p:txBody>
+          <a:bodyPr rtlCol="0" anchor="ctr"/>
+          <a:lstStyle/>
+          <a:p>
+            <a:pPr algn="just"/>
+            <a:r>
+              <a:rPr lang="ru-RU" sz="2000" dirty="0">
+                <a:solidFill>
+                  <a:schemeClr val="tx1"/>
+                </a:solidFill>
+              </a:rPr>
+              <a:t>Значение которое устанавливается для свойства (</a:t>
+            </a:r>
+            <a:r>
+              <a:rPr lang="en-US" sz="2000" b="1" dirty="0">
+                <a:solidFill>
+                  <a:schemeClr val="tx1"/>
+                </a:solidFill>
+              </a:rPr>
+              <a:t>value</a:t>
+            </a:r>
+            <a:r>
+              <a:rPr lang="ru-RU" sz="2000" dirty="0">
+                <a:solidFill>
+                  <a:schemeClr val="tx1"/>
+                </a:solidFill>
+              </a:rPr>
+              <a:t>)</a:t>
+            </a:r>
+            <a:r>
+              <a:rPr lang="en-US" sz="2000" dirty="0">
+                <a:solidFill>
+                  <a:schemeClr val="tx1"/>
+                </a:solidFill>
+              </a:rPr>
+              <a:t>.</a:t>
+            </a:r>
+            <a:endParaRPr lang="ru-RU" sz="2000" dirty="0">
+              <a:solidFill>
+                <a:schemeClr val="tx1"/>
+              </a:solidFill>
+            </a:endParaRPr>
+          </a:p>
+        </p:txBody>
+      </p:sp>
+      <p:sp>
+        <p:nvSpPr>
+          <p:cNvPr id="2" name="TextBox 1"/>
+          <p:cNvSpPr txBox="1"/>
+          <p:nvPr/>
+        </p:nvSpPr>
+        <p:spPr>
+          <a:xfrm>
+            <a:off x="2135560" y="4811668"/>
+            <a:ext cx="8496944" cy="1569660"/>
+          </a:xfrm>
+          <a:prstGeom prst="rect">
+            <a:avLst/>
+          </a:prstGeom>
+          <a:noFill/>
+        </p:spPr>
+        <p:txBody>
+          <a:bodyPr wrap="square" rtlCol="0">
+            <a:spAutoFit/>
+          </a:bodyPr>
+          <a:lstStyle/>
+          <a:p>
+            <a:r>
+              <a:rPr lang="ru-RU" sz="2400" dirty="0"/>
+              <a:t>Код на языке </a:t>
+            </a:r>
+            <a:r>
+              <a:rPr lang="en-US" sz="2400" b="1" dirty="0"/>
+              <a:t>CSS</a:t>
+            </a:r>
+            <a:r>
+              <a:rPr lang="en-US" sz="2400" dirty="0"/>
+              <a:t> </a:t>
+            </a:r>
+            <a:r>
+              <a:rPr lang="ru-RU" sz="2400" dirty="0"/>
+              <a:t>состоит из стилевых правил, каждое правило содержит </a:t>
+            </a:r>
+            <a:r>
+              <a:rPr lang="ru-RU" sz="2400" b="1" dirty="0"/>
+              <a:t>селектор</a:t>
+            </a:r>
+            <a:r>
+              <a:rPr lang="ru-RU" sz="2400" dirty="0"/>
+              <a:t> (указание на то какие теги необходимо оформить эти правилом) и набор </a:t>
+            </a:r>
+            <a:r>
+              <a:rPr lang="ru-RU" sz="2400" b="1" dirty="0"/>
+              <a:t>стилевых свойств</a:t>
+            </a:r>
+            <a:r>
+              <a:rPr lang="ru-RU" sz="2400" dirty="0"/>
+              <a:t>, которые и задают оформление (на примере </a:t>
+            </a:r>
+            <a:r>
+              <a:rPr lang="en-US" sz="2400" b="1" i="1" dirty="0"/>
+              <a:t>color</a:t>
+            </a:r>
+            <a:r>
+              <a:rPr lang="en-US" sz="2400" dirty="0"/>
+              <a:t>, </a:t>
+            </a:r>
+            <a:r>
+              <a:rPr lang="en-US" sz="2400" b="1" i="1" dirty="0"/>
+              <a:t>font-size</a:t>
+            </a:r>
+            <a:r>
+              <a:rPr lang="en-US" sz="2400" i="1" dirty="0"/>
+              <a:t> </a:t>
+            </a:r>
+            <a:r>
+              <a:rPr lang="ru-RU" sz="2400" i="1" dirty="0"/>
+              <a:t>и др.</a:t>
+            </a:r>
+            <a:r>
+              <a:rPr lang="ru-RU" sz="2400" dirty="0"/>
+              <a:t>).</a:t>
+            </a:r>
+            <a:endParaRPr lang="uk-UA" sz="2400" dirty="0"/>
+          </a:p>
+        </p:txBody>
+      </p:sp>
+    </p:spTree>
+    <p:extLst>
+      <p:ext uri="{BB962C8B-B14F-4D97-AF65-F5344CB8AC3E}">
+        <p14:creationId xmlns:p14="http://schemas.microsoft.com/office/powerpoint/2010/main" val="1730001629"/>
+      </p:ext>
+    </p:extLst>
+  </p:cSld>
+  <p:clrMapOvr>
+    <a:masterClrMapping/>
+  </p:clrMapOvr>
+</p:sld>
+</file>
+
+<file path=ppt/slides/slide30.xml><?xml version="1.0" encoding="utf-8"?>
 <p:sld xmlns:a="http://schemas.openxmlformats.org/drawingml/2006/main" xmlns:r="http://schemas.openxmlformats.org/officeDocument/2006/relationships" xmlns:p="http://schemas.openxmlformats.org/presentationml/2006/main">
   <p:cSld>
     <p:spTree>
@@ -9256,1181 +10311,6 @@
 </p:sld>
 </file>
 
-<file path=ppt/slides/slide29.xml><?xml version="1.0" encoding="utf-8"?>
-<p:sld xmlns:a="http://schemas.openxmlformats.org/drawingml/2006/main" xmlns:r="http://schemas.openxmlformats.org/officeDocument/2006/relationships" xmlns:p="http://schemas.openxmlformats.org/presentationml/2006/main">
-  <p:cSld>
-    <p:spTree>
-      <p:nvGrpSpPr>
-        <p:cNvPr id="1" name=""/>
-        <p:cNvGrpSpPr/>
-        <p:nvPr/>
-      </p:nvGrpSpPr>
-      <p:grpSpPr>
-        <a:xfrm>
-          <a:off x="0" y="0"/>
-          <a:ext cx="0" cy="0"/>
-          <a:chOff x="0" y="0"/>
-          <a:chExt cx="0" cy="0"/>
-        </a:xfrm>
-      </p:grpSpPr>
-      <p:sp>
-        <p:nvSpPr>
-          <p:cNvPr id="2" name="TextBox 1">
-            <a:extLst>
-              <a:ext uri="{FF2B5EF4-FFF2-40B4-BE49-F238E27FC236}">
-                <a16:creationId xmlns:a16="http://schemas.microsoft.com/office/drawing/2014/main" id="{A829F368-22C7-455B-81B9-B986E2E49907}"/>
-              </a:ext>
-            </a:extLst>
-          </p:cNvPr>
-          <p:cNvSpPr txBox="1"/>
-          <p:nvPr/>
-        </p:nvSpPr>
-        <p:spPr>
-          <a:xfrm>
-            <a:off x="0" y="332656"/>
-            <a:ext cx="12192000" cy="584775"/>
-          </a:xfrm>
-          <a:prstGeom prst="rect">
-            <a:avLst/>
-          </a:prstGeom>
-          <a:noFill/>
-        </p:spPr>
-        <p:txBody>
-          <a:bodyPr wrap="square" rtlCol="0">
-            <a:spAutoFit/>
-          </a:bodyPr>
-          <a:lstStyle/>
-          <a:p>
-            <a:pPr algn="ctr"/>
-            <a:r>
-              <a:rPr lang="ru-RU" sz="3200" b="1" dirty="0"/>
-              <a:t>Для выполнения второго этапа</a:t>
-            </a:r>
-            <a:endParaRPr lang="uk-UA" sz="3200" b="1" dirty="0"/>
-          </a:p>
-        </p:txBody>
-      </p:sp>
-      <p:sp>
-        <p:nvSpPr>
-          <p:cNvPr id="4" name="TextBox 3">
-            <a:extLst>
-              <a:ext uri="{FF2B5EF4-FFF2-40B4-BE49-F238E27FC236}">
-                <a16:creationId xmlns:a16="http://schemas.microsoft.com/office/drawing/2014/main" id="{588D9AAF-00CC-432D-A1F2-9D3639D1154D}"/>
-              </a:ext>
-            </a:extLst>
-          </p:cNvPr>
-          <p:cNvSpPr txBox="1"/>
-          <p:nvPr/>
-        </p:nvSpPr>
-        <p:spPr>
-          <a:xfrm>
-            <a:off x="983432" y="1177582"/>
-            <a:ext cx="10225136" cy="5098575"/>
-          </a:xfrm>
-          <a:prstGeom prst="rect">
-            <a:avLst/>
-          </a:prstGeom>
-          <a:noFill/>
-        </p:spPr>
-        <p:txBody>
-          <a:bodyPr wrap="square" rtlCol="0">
-            <a:spAutoFit/>
-          </a:bodyPr>
-          <a:lstStyle/>
-          <a:p>
-            <a:pPr>
-              <a:lnSpc>
-                <a:spcPct val="107000"/>
-              </a:lnSpc>
-              <a:spcAft>
-                <a:spcPts val="800"/>
-              </a:spcAft>
-            </a:pPr>
-            <a:r>
-              <a:rPr lang="ru-RU" sz="2000" b="1" dirty="0">
-                <a:effectLst/>
-                <a:latin typeface="Calibri" panose="020F0502020204030204" pitchFamily="34" charset="0"/>
-                <a:ea typeface="Calibri" panose="020F0502020204030204" pitchFamily="34" charset="0"/>
-                <a:cs typeface="Times New Roman" panose="02020603050405020304" pitchFamily="18" charset="0"/>
-              </a:rPr>
-              <a:t>Контейнер</a:t>
-            </a:r>
-            <a:r>
-              <a:rPr lang="ru-RU" sz="2000" dirty="0">
-                <a:effectLst/>
-                <a:latin typeface="Calibri" panose="020F0502020204030204" pitchFamily="34" charset="0"/>
-                <a:ea typeface="Calibri" panose="020F0502020204030204" pitchFamily="34" charset="0"/>
-                <a:cs typeface="Times New Roman" panose="02020603050405020304" pitchFamily="18" charset="0"/>
-              </a:rPr>
-              <a:t> не обязательно должен быть самым «верхним» тегом, </a:t>
-            </a:r>
-            <a:r>
-              <a:rPr lang="ru-RU" sz="2000" b="1" dirty="0">
-                <a:effectLst/>
-                <a:latin typeface="Calibri" panose="020F0502020204030204" pitchFamily="34" charset="0"/>
-                <a:ea typeface="Calibri" panose="020F0502020204030204" pitchFamily="34" charset="0"/>
-                <a:cs typeface="Times New Roman" panose="02020603050405020304" pitchFamily="18" charset="0"/>
-              </a:rPr>
-              <a:t>контейнер</a:t>
-            </a:r>
-            <a:r>
-              <a:rPr lang="ru-RU" sz="2000" dirty="0">
-                <a:effectLst/>
-                <a:latin typeface="Calibri" panose="020F0502020204030204" pitchFamily="34" charset="0"/>
-                <a:ea typeface="Calibri" panose="020F0502020204030204" pitchFamily="34" charset="0"/>
-                <a:cs typeface="Times New Roman" panose="02020603050405020304" pitchFamily="18" charset="0"/>
-              </a:rPr>
-              <a:t> может сам находится внутри какого-то другого тега. И </a:t>
-            </a:r>
-            <a:r>
-              <a:rPr lang="ru-RU" sz="2000" b="1" dirty="0">
-                <a:effectLst/>
-                <a:latin typeface="Calibri" panose="020F0502020204030204" pitchFamily="34" charset="0"/>
-                <a:ea typeface="Calibri" panose="020F0502020204030204" pitchFamily="34" charset="0"/>
-                <a:cs typeface="Times New Roman" panose="02020603050405020304" pitchFamily="18" charset="0"/>
-              </a:rPr>
-              <a:t>контейнеров</a:t>
-            </a:r>
-            <a:r>
-              <a:rPr lang="ru-RU" sz="2000" dirty="0">
-                <a:effectLst/>
-                <a:latin typeface="Calibri" panose="020F0502020204030204" pitchFamily="34" charset="0"/>
-                <a:ea typeface="Calibri" panose="020F0502020204030204" pitchFamily="34" charset="0"/>
-                <a:cs typeface="Times New Roman" panose="02020603050405020304" pitchFamily="18" charset="0"/>
-              </a:rPr>
-              <a:t> на странице может быть больше, чем один.</a:t>
-            </a:r>
-            <a:br>
-              <a:rPr lang="ru-RU" sz="2000" dirty="0">
-                <a:effectLst/>
-                <a:latin typeface="Calibri" panose="020F0502020204030204" pitchFamily="34" charset="0"/>
-                <a:ea typeface="Calibri" panose="020F0502020204030204" pitchFamily="34" charset="0"/>
-                <a:cs typeface="Times New Roman" panose="02020603050405020304" pitchFamily="18" charset="0"/>
-              </a:rPr>
-            </a:br>
-            <a:endParaRPr lang="uk-UA" sz="2000" dirty="0">
-              <a:effectLst/>
-              <a:latin typeface="Calibri" panose="020F0502020204030204" pitchFamily="34" charset="0"/>
-              <a:ea typeface="Calibri" panose="020F0502020204030204" pitchFamily="34" charset="0"/>
-              <a:cs typeface="Times New Roman" panose="02020603050405020304" pitchFamily="18" charset="0"/>
-            </a:endParaRPr>
-          </a:p>
-          <a:p>
-            <a:pPr>
-              <a:lnSpc>
-                <a:spcPct val="107000"/>
-              </a:lnSpc>
-              <a:spcAft>
-                <a:spcPts val="800"/>
-              </a:spcAft>
-            </a:pPr>
-            <a:r>
-              <a:rPr lang="ru-RU" sz="2000" dirty="0">
-                <a:effectLst/>
-                <a:latin typeface="Calibri" panose="020F0502020204030204" pitchFamily="34" charset="0"/>
-                <a:ea typeface="Calibri" panose="020F0502020204030204" pitchFamily="34" charset="0"/>
-                <a:cs typeface="Times New Roman" panose="02020603050405020304" pitchFamily="18" charset="0"/>
-              </a:rPr>
-              <a:t>Вам скорее всего </a:t>
-            </a:r>
-            <a:r>
-              <a:rPr lang="ru-RU" sz="2000" b="1" dirty="0">
-                <a:effectLst/>
-                <a:latin typeface="Calibri" panose="020F0502020204030204" pitchFamily="34" charset="0"/>
-                <a:ea typeface="Calibri" panose="020F0502020204030204" pitchFamily="34" charset="0"/>
-                <a:cs typeface="Times New Roman" panose="02020603050405020304" pitchFamily="18" charset="0"/>
-              </a:rPr>
-              <a:t>понадобятся</a:t>
-            </a:r>
-            <a:r>
-              <a:rPr lang="ru-RU" sz="2000" dirty="0">
-                <a:effectLst/>
-                <a:latin typeface="Calibri" panose="020F0502020204030204" pitchFamily="34" charset="0"/>
-                <a:ea typeface="Calibri" panose="020F0502020204030204" pitchFamily="34" charset="0"/>
-                <a:cs typeface="Times New Roman" panose="02020603050405020304" pitchFamily="18" charset="0"/>
-              </a:rPr>
-              <a:t> </a:t>
-            </a:r>
-            <a:r>
-              <a:rPr lang="ru-RU" sz="2000" b="1" dirty="0">
-                <a:effectLst/>
-                <a:latin typeface="Calibri" panose="020F0502020204030204" pitchFamily="34" charset="0"/>
-                <a:ea typeface="Calibri" panose="020F0502020204030204" pitchFamily="34" charset="0"/>
-                <a:cs typeface="Times New Roman" panose="02020603050405020304" pitchFamily="18" charset="0"/>
-              </a:rPr>
-              <a:t>свойства</a:t>
-            </a:r>
-            <a:r>
-              <a:rPr lang="ru-RU" sz="2000" dirty="0">
-                <a:effectLst/>
-                <a:latin typeface="Calibri" panose="020F0502020204030204" pitchFamily="34" charset="0"/>
-                <a:ea typeface="Calibri" panose="020F0502020204030204" pitchFamily="34" charset="0"/>
-                <a:cs typeface="Times New Roman" panose="02020603050405020304" pitchFamily="18" charset="0"/>
-              </a:rPr>
-              <a:t>:</a:t>
-            </a:r>
-            <a:br>
-              <a:rPr lang="ru-RU" sz="2000" dirty="0">
-                <a:effectLst/>
-                <a:latin typeface="Calibri" panose="020F0502020204030204" pitchFamily="34" charset="0"/>
-                <a:ea typeface="Calibri" panose="020F0502020204030204" pitchFamily="34" charset="0"/>
-                <a:cs typeface="Times New Roman" panose="02020603050405020304" pitchFamily="18" charset="0"/>
-              </a:rPr>
-            </a:br>
-            <a:r>
-              <a:rPr lang="ru-RU" sz="2000" u="sng" dirty="0">
-                <a:solidFill>
-                  <a:srgbClr val="0563C1"/>
-                </a:solidFill>
-                <a:effectLst/>
-                <a:latin typeface="Calibri" panose="020F0502020204030204" pitchFamily="34" charset="0"/>
-                <a:ea typeface="Calibri" panose="020F0502020204030204" pitchFamily="34" charset="0"/>
-                <a:cs typeface="Times New Roman" panose="02020603050405020304" pitchFamily="18" charset="0"/>
-                <a:hlinkClick r:id="rId2"/>
-              </a:rPr>
-              <a:t>https://webref.ru/css/background-image</a:t>
-            </a:r>
-            <a:endParaRPr lang="uk-UA" sz="2000" dirty="0">
-              <a:effectLst/>
-              <a:latin typeface="Calibri" panose="020F0502020204030204" pitchFamily="34" charset="0"/>
-              <a:ea typeface="Calibri" panose="020F0502020204030204" pitchFamily="34" charset="0"/>
-              <a:cs typeface="Times New Roman" panose="02020603050405020304" pitchFamily="18" charset="0"/>
-            </a:endParaRPr>
-          </a:p>
-          <a:p>
-            <a:pPr>
-              <a:lnSpc>
-                <a:spcPct val="107000"/>
-              </a:lnSpc>
-              <a:spcAft>
-                <a:spcPts val="800"/>
-              </a:spcAft>
-            </a:pPr>
-            <a:r>
-              <a:rPr lang="ru-RU" sz="2000" u="sng" dirty="0">
-                <a:solidFill>
-                  <a:srgbClr val="0563C1"/>
-                </a:solidFill>
-                <a:effectLst/>
-                <a:latin typeface="Calibri" panose="020F0502020204030204" pitchFamily="34" charset="0"/>
-                <a:ea typeface="Calibri" panose="020F0502020204030204" pitchFamily="34" charset="0"/>
-                <a:cs typeface="Times New Roman" panose="02020603050405020304" pitchFamily="18" charset="0"/>
-                <a:hlinkClick r:id="rId3"/>
-              </a:rPr>
-              <a:t>https://webref.ru/css/background-size</a:t>
-            </a:r>
-            <a:endParaRPr lang="uk-UA" sz="2000" dirty="0">
-              <a:effectLst/>
-              <a:latin typeface="Calibri" panose="020F0502020204030204" pitchFamily="34" charset="0"/>
-              <a:ea typeface="Calibri" panose="020F0502020204030204" pitchFamily="34" charset="0"/>
-              <a:cs typeface="Times New Roman" panose="02020603050405020304" pitchFamily="18" charset="0"/>
-            </a:endParaRPr>
-          </a:p>
-          <a:p>
-            <a:pPr>
-              <a:lnSpc>
-                <a:spcPct val="107000"/>
-              </a:lnSpc>
-              <a:spcAft>
-                <a:spcPts val="800"/>
-              </a:spcAft>
-            </a:pPr>
-            <a:r>
-              <a:rPr lang="ru-RU" sz="2000" u="sng" dirty="0">
-                <a:solidFill>
-                  <a:srgbClr val="0563C1"/>
-                </a:solidFill>
-                <a:effectLst/>
-                <a:latin typeface="Calibri" panose="020F0502020204030204" pitchFamily="34" charset="0"/>
-                <a:ea typeface="Calibri" panose="020F0502020204030204" pitchFamily="34" charset="0"/>
-                <a:cs typeface="Times New Roman" panose="02020603050405020304" pitchFamily="18" charset="0"/>
-                <a:hlinkClick r:id="rId4"/>
-              </a:rPr>
-              <a:t>https://webref.ru/css/background-position</a:t>
-            </a:r>
-            <a:br>
-              <a:rPr lang="ru-RU" sz="2000" dirty="0">
-                <a:effectLst/>
-                <a:latin typeface="Calibri" panose="020F0502020204030204" pitchFamily="34" charset="0"/>
-                <a:ea typeface="Calibri" panose="020F0502020204030204" pitchFamily="34" charset="0"/>
-                <a:cs typeface="Times New Roman" panose="02020603050405020304" pitchFamily="18" charset="0"/>
-              </a:rPr>
-            </a:br>
-            <a:endParaRPr lang="uk-UA" sz="2000" dirty="0">
-              <a:effectLst/>
-              <a:latin typeface="Calibri" panose="020F0502020204030204" pitchFamily="34" charset="0"/>
-              <a:ea typeface="Calibri" panose="020F0502020204030204" pitchFamily="34" charset="0"/>
-              <a:cs typeface="Times New Roman" panose="02020603050405020304" pitchFamily="18" charset="0"/>
-            </a:endParaRPr>
-          </a:p>
-          <a:p>
-            <a:pPr>
-              <a:lnSpc>
-                <a:spcPct val="107000"/>
-              </a:lnSpc>
-              <a:spcAft>
-                <a:spcPts val="800"/>
-              </a:spcAft>
-            </a:pPr>
-            <a:r>
-              <a:rPr lang="ru-RU" sz="2000" dirty="0">
-                <a:effectLst/>
-                <a:latin typeface="Calibri" panose="020F0502020204030204" pitchFamily="34" charset="0"/>
-                <a:ea typeface="Calibri" panose="020F0502020204030204" pitchFamily="34" charset="0"/>
-                <a:cs typeface="Times New Roman" panose="02020603050405020304" pitchFamily="18" charset="0"/>
-              </a:rPr>
-              <a:t>Возможно, вам понадобится указать </a:t>
-            </a:r>
-            <a:r>
-              <a:rPr lang="ru-RU" sz="2000" b="1" dirty="0">
-                <a:effectLst/>
-                <a:latin typeface="Calibri" panose="020F0502020204030204" pitchFamily="34" charset="0"/>
-                <a:ea typeface="Calibri" panose="020F0502020204030204" pitchFamily="34" charset="0"/>
-                <a:cs typeface="Times New Roman" panose="02020603050405020304" pitchFamily="18" charset="0"/>
-              </a:rPr>
-              <a:t>относительный путь к изображению</a:t>
-            </a:r>
-            <a:r>
-              <a:rPr lang="ru-RU" sz="2000" dirty="0">
-                <a:effectLst/>
-                <a:latin typeface="Calibri" panose="020F0502020204030204" pitchFamily="34" charset="0"/>
-                <a:ea typeface="Calibri" panose="020F0502020204030204" pitchFamily="34" charset="0"/>
-                <a:cs typeface="Times New Roman" panose="02020603050405020304" pitchFamily="18" charset="0"/>
-              </a:rPr>
-              <a:t>, которое находится с «соседнем» каталоге, и в пути будет необходимо подняться на один уровень выше, для этого в пути используется две точки: </a:t>
-            </a:r>
-            <a:r>
-              <a:rPr lang="ru-RU" sz="2000" b="1" dirty="0">
-                <a:solidFill>
-                  <a:srgbClr val="00B050"/>
-                </a:solidFill>
-                <a:effectLst/>
-                <a:latin typeface="Courier New" panose="02070309020205020404" pitchFamily="49" charset="0"/>
-                <a:ea typeface="Calibri" panose="020F0502020204030204" pitchFamily="34" charset="0"/>
-                <a:cs typeface="Courier New" panose="02070309020205020404" pitchFamily="49" charset="0"/>
-              </a:rPr>
-              <a:t>'../</a:t>
-            </a:r>
-            <a:r>
-              <a:rPr lang="ru-RU" sz="2000" b="1" dirty="0" err="1">
-                <a:solidFill>
-                  <a:srgbClr val="00B050"/>
-                </a:solidFill>
-                <a:effectLst/>
-                <a:latin typeface="Courier New" panose="02070309020205020404" pitchFamily="49" charset="0"/>
-                <a:ea typeface="Calibri" panose="020F0502020204030204" pitchFamily="34" charset="0"/>
-                <a:cs typeface="Courier New" panose="02070309020205020404" pitchFamily="49" charset="0"/>
-              </a:rPr>
-              <a:t>im</a:t>
-            </a:r>
-            <a:r>
-              <a:rPr lang="en-US" sz="2000" b="1" dirty="0">
-                <a:solidFill>
-                  <a:srgbClr val="00B050"/>
-                </a:solidFill>
-                <a:effectLst/>
-                <a:latin typeface="Courier New" panose="02070309020205020404" pitchFamily="49" charset="0"/>
-                <a:ea typeface="Calibri" panose="020F0502020204030204" pitchFamily="34" charset="0"/>
-                <a:cs typeface="Courier New" panose="02070309020205020404" pitchFamily="49" charset="0"/>
-              </a:rPr>
-              <a:t>g</a:t>
-            </a:r>
-            <a:r>
-              <a:rPr lang="ru-RU" sz="2000" b="1" dirty="0">
-                <a:solidFill>
-                  <a:srgbClr val="00B050"/>
-                </a:solidFill>
-                <a:effectLst/>
-                <a:latin typeface="Courier New" panose="02070309020205020404" pitchFamily="49" charset="0"/>
-                <a:ea typeface="Calibri" panose="020F0502020204030204" pitchFamily="34" charset="0"/>
-                <a:cs typeface="Courier New" panose="02070309020205020404" pitchFamily="49" charset="0"/>
-              </a:rPr>
-              <a:t>/background.jpg' </a:t>
-            </a:r>
-            <a:r>
-              <a:rPr lang="ru-RU" sz="2000" dirty="0">
-                <a:effectLst/>
-                <a:latin typeface="Calibri" panose="020F0502020204030204" pitchFamily="34" charset="0"/>
-                <a:ea typeface="Calibri" panose="020F0502020204030204" pitchFamily="34" charset="0"/>
-                <a:cs typeface="Times New Roman" panose="02020603050405020304" pitchFamily="18" charset="0"/>
-              </a:rPr>
-              <a:t>этот </a:t>
-            </a:r>
-            <a:r>
-              <a:rPr lang="ru-RU" sz="2000" b="1" dirty="0">
-                <a:effectLst/>
-                <a:latin typeface="Calibri" panose="020F0502020204030204" pitchFamily="34" charset="0"/>
-                <a:ea typeface="Calibri" panose="020F0502020204030204" pitchFamily="34" charset="0"/>
-                <a:cs typeface="Times New Roman" panose="02020603050405020304" pitchFamily="18" charset="0"/>
-              </a:rPr>
-              <a:t>относительный путь </a:t>
-            </a:r>
-            <a:r>
-              <a:rPr lang="ru-RU" sz="2000" dirty="0">
-                <a:effectLst/>
-                <a:latin typeface="Calibri" panose="020F0502020204030204" pitchFamily="34" charset="0"/>
-                <a:ea typeface="Calibri" panose="020F0502020204030204" pitchFamily="34" charset="0"/>
-                <a:cs typeface="Times New Roman" panose="02020603050405020304" pitchFamily="18" charset="0"/>
-              </a:rPr>
-              <a:t>позволит из каталога </a:t>
-            </a:r>
-            <a:r>
-              <a:rPr lang="ru-RU" sz="2000" b="1" dirty="0" err="1">
-                <a:effectLst/>
-                <a:latin typeface="Calibri" panose="020F0502020204030204" pitchFamily="34" charset="0"/>
-                <a:ea typeface="Calibri" panose="020F0502020204030204" pitchFamily="34" charset="0"/>
-                <a:cs typeface="Times New Roman" panose="02020603050405020304" pitchFamily="18" charset="0"/>
-              </a:rPr>
-              <a:t>css</a:t>
-            </a:r>
-            <a:r>
-              <a:rPr lang="ru-RU" sz="2000" dirty="0">
-                <a:effectLst/>
-                <a:latin typeface="Calibri" panose="020F0502020204030204" pitchFamily="34" charset="0"/>
-                <a:ea typeface="Calibri" panose="020F0502020204030204" pitchFamily="34" charset="0"/>
-                <a:cs typeface="Times New Roman" panose="02020603050405020304" pitchFamily="18" charset="0"/>
-              </a:rPr>
-              <a:t> подняться в </a:t>
-            </a:r>
-            <a:r>
-              <a:rPr lang="ru-RU" sz="2000" b="1" dirty="0" err="1">
-                <a:effectLst/>
-                <a:latin typeface="Calibri" panose="020F0502020204030204" pitchFamily="34" charset="0"/>
-                <a:ea typeface="Calibri" panose="020F0502020204030204" pitchFamily="34" charset="0"/>
-                <a:cs typeface="Times New Roman" panose="02020603050405020304" pitchFamily="18" charset="0"/>
-              </a:rPr>
-              <a:t>assets</a:t>
-            </a:r>
-            <a:r>
-              <a:rPr lang="ru-RU" sz="2000" dirty="0">
-                <a:effectLst/>
-                <a:latin typeface="Calibri" panose="020F0502020204030204" pitchFamily="34" charset="0"/>
-                <a:ea typeface="Calibri" panose="020F0502020204030204" pitchFamily="34" charset="0"/>
-                <a:cs typeface="Times New Roman" panose="02020603050405020304" pitchFamily="18" charset="0"/>
-              </a:rPr>
-              <a:t> и спустится в каталог с изображениями</a:t>
-            </a:r>
-            <a:r>
-              <a:rPr lang="en-US" sz="2000" dirty="0">
-                <a:effectLst/>
-                <a:latin typeface="Calibri" panose="020F0502020204030204" pitchFamily="34" charset="0"/>
-                <a:ea typeface="Calibri" panose="020F0502020204030204" pitchFamily="34" charset="0"/>
-                <a:cs typeface="Times New Roman" panose="02020603050405020304" pitchFamily="18" charset="0"/>
-              </a:rPr>
-              <a:t> </a:t>
-            </a:r>
-            <a:r>
-              <a:rPr lang="en-US" sz="2000" b="1" dirty="0" err="1">
-                <a:effectLst/>
-                <a:latin typeface="Calibri" panose="020F0502020204030204" pitchFamily="34" charset="0"/>
-                <a:ea typeface="Calibri" panose="020F0502020204030204" pitchFamily="34" charset="0"/>
-                <a:cs typeface="Times New Roman" panose="02020603050405020304" pitchFamily="18" charset="0"/>
-              </a:rPr>
-              <a:t>img</a:t>
-            </a:r>
-            <a:r>
-              <a:rPr lang="ru-RU" sz="2000" dirty="0">
-                <a:effectLst/>
-                <a:latin typeface="Calibri" panose="020F0502020204030204" pitchFamily="34" charset="0"/>
-                <a:ea typeface="Calibri" panose="020F0502020204030204" pitchFamily="34" charset="0"/>
-                <a:cs typeface="Times New Roman" panose="02020603050405020304" pitchFamily="18" charset="0"/>
-              </a:rPr>
-              <a:t>.</a:t>
-            </a:r>
-            <a:endParaRPr lang="uk-UA" sz="2000" dirty="0">
-              <a:effectLst/>
-              <a:latin typeface="Calibri" panose="020F0502020204030204" pitchFamily="34" charset="0"/>
-              <a:ea typeface="Calibri" panose="020F0502020204030204" pitchFamily="34" charset="0"/>
-              <a:cs typeface="Times New Roman" panose="02020603050405020304" pitchFamily="18" charset="0"/>
-            </a:endParaRPr>
-          </a:p>
-        </p:txBody>
-      </p:sp>
-    </p:spTree>
-    <p:extLst>
-      <p:ext uri="{BB962C8B-B14F-4D97-AF65-F5344CB8AC3E}">
-        <p14:creationId xmlns:p14="http://schemas.microsoft.com/office/powerpoint/2010/main" val="1034010322"/>
-      </p:ext>
-    </p:extLst>
-  </p:cSld>
-  <p:clrMapOvr>
-    <a:masterClrMapping/>
-  </p:clrMapOvr>
-</p:sld>
-</file>
-
-<file path=ppt/slides/slide3.xml><?xml version="1.0" encoding="utf-8"?>
-<p:sld xmlns:a="http://schemas.openxmlformats.org/drawingml/2006/main" xmlns:r="http://schemas.openxmlformats.org/officeDocument/2006/relationships" xmlns:p="http://schemas.openxmlformats.org/presentationml/2006/main">
-  <p:cSld>
-    <p:spTree>
-      <p:nvGrpSpPr>
-        <p:cNvPr id="1" name=""/>
-        <p:cNvGrpSpPr/>
-        <p:nvPr/>
-      </p:nvGrpSpPr>
-      <p:grpSpPr>
-        <a:xfrm>
-          <a:off x="0" y="0"/>
-          <a:ext cx="0" cy="0"/>
-          <a:chOff x="0" y="0"/>
-          <a:chExt cx="0" cy="0"/>
-        </a:xfrm>
-      </p:grpSpPr>
-      <p:sp>
-        <p:nvSpPr>
-          <p:cNvPr id="5" name="TextBox 4"/>
-          <p:cNvSpPr txBox="1"/>
-          <p:nvPr/>
-        </p:nvSpPr>
-        <p:spPr>
-          <a:xfrm>
-            <a:off x="0" y="404664"/>
-            <a:ext cx="12192000" cy="707886"/>
-          </a:xfrm>
-          <a:prstGeom prst="rect">
-            <a:avLst/>
-          </a:prstGeom>
-          <a:noFill/>
-        </p:spPr>
-        <p:txBody>
-          <a:bodyPr wrap="square" rtlCol="0">
-            <a:spAutoFit/>
-          </a:bodyPr>
-          <a:lstStyle/>
-          <a:p>
-            <a:pPr algn="ctr"/>
-            <a:r>
-              <a:rPr lang="ru-RU" sz="4000" b="1" dirty="0"/>
-              <a:t>Синтаксис </a:t>
-            </a:r>
-            <a:r>
-              <a:rPr lang="en-US" sz="4000" b="1" dirty="0"/>
-              <a:t>CSS</a:t>
-            </a:r>
-          </a:p>
-        </p:txBody>
-      </p:sp>
-      <p:sp>
-        <p:nvSpPr>
-          <p:cNvPr id="7" name="Номер слайда 36"/>
-          <p:cNvSpPr txBox="1">
-            <a:spLocks/>
-          </p:cNvSpPr>
-          <p:nvPr/>
-        </p:nvSpPr>
-        <p:spPr>
-          <a:xfrm>
-            <a:off x="11280576" y="6165304"/>
-            <a:ext cx="648072" cy="432048"/>
-          </a:xfrm>
-          <a:prstGeom prst="roundRect">
-            <a:avLst/>
-          </a:prstGeom>
-          <a:ln w="25400" cap="flat" cmpd="sng" algn="ctr">
-            <a:solidFill>
-              <a:schemeClr val="tx2">
-                <a:lumMod val="60000"/>
-                <a:lumOff val="40000"/>
-              </a:schemeClr>
-            </a:solidFill>
-            <a:prstDash val="solid"/>
-          </a:ln>
-        </p:spPr>
-        <p:style>
-          <a:lnRef idx="2">
-            <a:schemeClr val="accent1"/>
-          </a:lnRef>
-          <a:fillRef idx="1">
-            <a:schemeClr val="lt1"/>
-          </a:fillRef>
-          <a:effectRef idx="0">
-            <a:schemeClr val="accent1"/>
-          </a:effectRef>
-          <a:fontRef idx="minor">
-            <a:schemeClr val="dk1"/>
-          </a:fontRef>
-        </p:style>
-        <p:txBody>
-          <a:bodyPr vert="horz" lIns="91440" tIns="45720" rIns="91440" bIns="45720" rtlCol="0" anchor="ctr"/>
-          <a:lstStyle/>
-          <a:p>
-            <a:pPr algn="ctr">
-              <a:defRPr/>
-            </a:pPr>
-            <a:fld id="{6389AA22-90B4-448C-8B6B-C699140D38B9}" type="slidenum">
-              <a:rPr lang="uk-UA" sz="2400" b="1">
-                <a:solidFill>
-                  <a:schemeClr val="bg1">
-                    <a:lumMod val="50000"/>
-                  </a:schemeClr>
-                </a:solidFill>
-              </a:rPr>
-              <a:pPr algn="ctr">
-                <a:defRPr/>
-              </a:pPr>
-              <a:t>3</a:t>
-            </a:fld>
-            <a:endParaRPr lang="uk-UA" sz="2400" b="1" dirty="0">
-              <a:solidFill>
-                <a:schemeClr val="bg1">
-                  <a:lumMod val="50000"/>
-                </a:schemeClr>
-              </a:solidFill>
-            </a:endParaRPr>
-          </a:p>
-        </p:txBody>
-      </p:sp>
-      <p:sp>
-        <p:nvSpPr>
-          <p:cNvPr id="8" name="Прямоугольник 7"/>
-          <p:cNvSpPr/>
-          <p:nvPr/>
-        </p:nvSpPr>
-        <p:spPr>
-          <a:xfrm>
-            <a:off x="2267682" y="2875583"/>
-            <a:ext cx="7575856" cy="769441"/>
-          </a:xfrm>
-          <a:prstGeom prst="rect">
-            <a:avLst/>
-          </a:prstGeom>
-        </p:spPr>
-        <p:txBody>
-          <a:bodyPr wrap="none">
-            <a:spAutoFit/>
-          </a:bodyPr>
-          <a:lstStyle/>
-          <a:p>
-            <a:pPr algn="ctr"/>
-            <a:r>
-              <a:rPr lang="en-US" sz="4400" b="1" dirty="0">
-                <a:solidFill>
-                  <a:srgbClr val="FF0000"/>
-                </a:solidFill>
-              </a:rPr>
-              <a:t>h2</a:t>
-            </a:r>
-            <a:r>
-              <a:rPr lang="en-US" sz="4400" b="1" dirty="0"/>
-              <a:t> { </a:t>
-            </a:r>
-            <a:r>
-              <a:rPr lang="en-US" sz="4400" b="1" dirty="0">
-                <a:solidFill>
-                  <a:srgbClr val="00B050"/>
-                </a:solidFill>
-              </a:rPr>
-              <a:t>color</a:t>
-            </a:r>
-            <a:r>
-              <a:rPr lang="en-US" sz="4400" b="1" dirty="0"/>
-              <a:t>: </a:t>
-            </a:r>
-            <a:r>
-              <a:rPr lang="en-US" sz="4400" b="1" dirty="0">
-                <a:solidFill>
-                  <a:schemeClr val="accent6"/>
-                </a:solidFill>
-              </a:rPr>
-              <a:t>red</a:t>
-            </a:r>
-            <a:r>
-              <a:rPr lang="en-US" sz="4400" b="1" dirty="0"/>
-              <a:t>; </a:t>
-            </a:r>
-            <a:r>
-              <a:rPr lang="en-US" sz="4400" b="1" dirty="0">
-                <a:solidFill>
-                  <a:srgbClr val="00B050"/>
-                </a:solidFill>
-              </a:rPr>
-              <a:t>font-size</a:t>
-            </a:r>
-            <a:r>
-              <a:rPr lang="en-US" sz="4400" b="1" dirty="0"/>
-              <a:t>: </a:t>
-            </a:r>
-            <a:r>
-              <a:rPr lang="en-US" sz="4400" b="1" dirty="0">
-                <a:solidFill>
-                  <a:schemeClr val="accent6"/>
-                </a:solidFill>
-              </a:rPr>
-              <a:t>16pt</a:t>
-            </a:r>
-            <a:r>
-              <a:rPr lang="en-US" sz="4400" b="1" dirty="0"/>
-              <a:t>; }</a:t>
-            </a:r>
-          </a:p>
-        </p:txBody>
-      </p:sp>
-      <p:sp>
-        <p:nvSpPr>
-          <p:cNvPr id="10" name="Прямоугольная выноска 9"/>
-          <p:cNvSpPr/>
-          <p:nvPr/>
-        </p:nvSpPr>
-        <p:spPr>
-          <a:xfrm>
-            <a:off x="2135560" y="1412776"/>
-            <a:ext cx="3528392" cy="1368152"/>
-          </a:xfrm>
-          <a:prstGeom prst="wedgeRectCallout">
-            <a:avLst>
-              <a:gd name="adj1" fmla="val -31359"/>
-              <a:gd name="adj2" fmla="val 65746"/>
-            </a:avLst>
-          </a:prstGeom>
-          <a:noFill/>
-          <a:ln>
-            <a:solidFill>
-              <a:srgbClr val="FF0000"/>
-            </a:solidFill>
-          </a:ln>
-        </p:spPr>
-        <p:style>
-          <a:lnRef idx="2">
-            <a:schemeClr val="accent1">
-              <a:shade val="50000"/>
-            </a:schemeClr>
-          </a:lnRef>
-          <a:fillRef idx="1">
-            <a:schemeClr val="accent1"/>
-          </a:fillRef>
-          <a:effectRef idx="0">
-            <a:schemeClr val="accent1"/>
-          </a:effectRef>
-          <a:fontRef idx="minor">
-            <a:schemeClr val="lt1"/>
-          </a:fontRef>
-        </p:style>
-        <p:txBody>
-          <a:bodyPr rtlCol="0" anchor="ctr"/>
-          <a:lstStyle/>
-          <a:p>
-            <a:pPr algn="just"/>
-            <a:r>
-              <a:rPr lang="en-US" sz="2000" b="1" dirty="0">
-                <a:solidFill>
-                  <a:schemeClr val="tx1"/>
-                </a:solidFill>
-              </a:rPr>
-              <a:t>CSS </a:t>
-            </a:r>
-            <a:r>
-              <a:rPr lang="ru-RU" sz="2000" b="1" dirty="0">
-                <a:solidFill>
-                  <a:schemeClr val="tx1"/>
-                </a:solidFill>
-              </a:rPr>
-              <a:t>селектор</a:t>
-            </a:r>
-            <a:r>
-              <a:rPr lang="ru-RU" sz="2000" dirty="0">
-                <a:solidFill>
-                  <a:schemeClr val="tx1"/>
-                </a:solidFill>
-              </a:rPr>
-              <a:t>, говорит к каким тегам (элементам) будет применятся описываемый стиль</a:t>
-            </a:r>
-            <a:r>
-              <a:rPr lang="en-US" sz="2000" dirty="0">
-                <a:solidFill>
-                  <a:schemeClr val="tx1"/>
-                </a:solidFill>
-              </a:rPr>
-              <a:t> (</a:t>
-            </a:r>
-            <a:r>
-              <a:rPr lang="en-US" sz="2000" b="1" dirty="0" err="1">
-                <a:solidFill>
-                  <a:schemeClr val="tx1"/>
-                </a:solidFill>
-              </a:rPr>
-              <a:t>css</a:t>
-            </a:r>
-            <a:r>
-              <a:rPr lang="en-US" sz="2000" b="1" dirty="0">
-                <a:solidFill>
-                  <a:schemeClr val="tx1"/>
-                </a:solidFill>
-              </a:rPr>
-              <a:t> selector</a:t>
-            </a:r>
-            <a:r>
-              <a:rPr lang="en-US" sz="2000" dirty="0">
-                <a:solidFill>
-                  <a:schemeClr val="tx1"/>
-                </a:solidFill>
-              </a:rPr>
-              <a:t>)</a:t>
-            </a:r>
-            <a:r>
-              <a:rPr lang="ru-RU" sz="2000" dirty="0">
-                <a:solidFill>
-                  <a:schemeClr val="tx1"/>
-                </a:solidFill>
-              </a:rPr>
-              <a:t>.</a:t>
-            </a:r>
-          </a:p>
-        </p:txBody>
-      </p:sp>
-      <p:sp>
-        <p:nvSpPr>
-          <p:cNvPr id="11" name="Прямоугольная выноска 10"/>
-          <p:cNvSpPr/>
-          <p:nvPr/>
-        </p:nvSpPr>
-        <p:spPr>
-          <a:xfrm flipV="1">
-            <a:off x="2927648" y="3717032"/>
-            <a:ext cx="3600400" cy="864096"/>
-          </a:xfrm>
-          <a:prstGeom prst="wedgeRectCallout">
-            <a:avLst/>
-          </a:prstGeom>
-          <a:noFill/>
-          <a:ln>
-            <a:solidFill>
-              <a:srgbClr val="00B050"/>
-            </a:solidFill>
-          </a:ln>
-        </p:spPr>
-        <p:style>
-          <a:lnRef idx="2">
-            <a:schemeClr val="accent1">
-              <a:shade val="50000"/>
-            </a:schemeClr>
-          </a:lnRef>
-          <a:fillRef idx="1">
-            <a:schemeClr val="accent1"/>
-          </a:fillRef>
-          <a:effectRef idx="0">
-            <a:schemeClr val="accent1"/>
-          </a:effectRef>
-          <a:fontRef idx="minor">
-            <a:schemeClr val="lt1"/>
-          </a:fontRef>
-        </p:style>
-        <p:txBody>
-          <a:bodyPr rtlCol="0" anchor="ctr"/>
-          <a:lstStyle/>
-          <a:p>
-            <a:pPr algn="ctr"/>
-            <a:endParaRPr lang="ru-RU" dirty="0">
-              <a:solidFill>
-                <a:schemeClr val="tx1"/>
-              </a:solidFill>
-            </a:endParaRPr>
-          </a:p>
-        </p:txBody>
-      </p:sp>
-      <p:sp>
-        <p:nvSpPr>
-          <p:cNvPr id="12" name="TextBox 11"/>
-          <p:cNvSpPr txBox="1"/>
-          <p:nvPr/>
-        </p:nvSpPr>
-        <p:spPr>
-          <a:xfrm>
-            <a:off x="3071664" y="3789040"/>
-            <a:ext cx="3384376" cy="707886"/>
-          </a:xfrm>
-          <a:prstGeom prst="rect">
-            <a:avLst/>
-          </a:prstGeom>
-          <a:noFill/>
-        </p:spPr>
-        <p:txBody>
-          <a:bodyPr wrap="square" rtlCol="0">
-            <a:spAutoFit/>
-          </a:bodyPr>
-          <a:lstStyle/>
-          <a:p>
-            <a:pPr algn="just"/>
-            <a:r>
-              <a:rPr lang="ru-RU" sz="2000" dirty="0"/>
-              <a:t>Имя свойства, которое устанавливается (</a:t>
-            </a:r>
-            <a:r>
-              <a:rPr lang="en-US" sz="2000" b="1" dirty="0"/>
-              <a:t>property</a:t>
-            </a:r>
-            <a:r>
-              <a:rPr lang="ru-RU" sz="2000" dirty="0"/>
-              <a:t>).</a:t>
-            </a:r>
-          </a:p>
-        </p:txBody>
-      </p:sp>
-      <p:sp>
-        <p:nvSpPr>
-          <p:cNvPr id="13" name="Прямоугольная выноска 12"/>
-          <p:cNvSpPr/>
-          <p:nvPr/>
-        </p:nvSpPr>
-        <p:spPr>
-          <a:xfrm>
-            <a:off x="6096000" y="1412776"/>
-            <a:ext cx="4104456" cy="1368152"/>
-          </a:xfrm>
-          <a:prstGeom prst="wedgeRectCallout">
-            <a:avLst>
-              <a:gd name="adj1" fmla="val 20990"/>
-              <a:gd name="adj2" fmla="val 69756"/>
-            </a:avLst>
-          </a:prstGeom>
-          <a:noFill/>
-          <a:ln>
-            <a:solidFill>
-              <a:schemeClr val="accent6"/>
-            </a:solidFill>
-          </a:ln>
-        </p:spPr>
-        <p:style>
-          <a:lnRef idx="2">
-            <a:schemeClr val="accent1">
-              <a:shade val="50000"/>
-            </a:schemeClr>
-          </a:lnRef>
-          <a:fillRef idx="1">
-            <a:schemeClr val="accent1"/>
-          </a:fillRef>
-          <a:effectRef idx="0">
-            <a:schemeClr val="accent1"/>
-          </a:effectRef>
-          <a:fontRef idx="minor">
-            <a:schemeClr val="lt1"/>
-          </a:fontRef>
-        </p:style>
-        <p:txBody>
-          <a:bodyPr rtlCol="0" anchor="ctr"/>
-          <a:lstStyle/>
-          <a:p>
-            <a:pPr algn="just"/>
-            <a:r>
-              <a:rPr lang="ru-RU" sz="2000" dirty="0">
-                <a:solidFill>
-                  <a:schemeClr val="tx1"/>
-                </a:solidFill>
-              </a:rPr>
-              <a:t>Значение которое устанавливается для свойства (</a:t>
-            </a:r>
-            <a:r>
-              <a:rPr lang="en-US" sz="2000" b="1" dirty="0">
-                <a:solidFill>
-                  <a:schemeClr val="tx1"/>
-                </a:solidFill>
-              </a:rPr>
-              <a:t>value</a:t>
-            </a:r>
-            <a:r>
-              <a:rPr lang="ru-RU" sz="2000" dirty="0">
-                <a:solidFill>
-                  <a:schemeClr val="tx1"/>
-                </a:solidFill>
-              </a:rPr>
-              <a:t>)</a:t>
-            </a:r>
-            <a:r>
-              <a:rPr lang="en-US" sz="2000" dirty="0">
-                <a:solidFill>
-                  <a:schemeClr val="tx1"/>
-                </a:solidFill>
-              </a:rPr>
-              <a:t>.</a:t>
-            </a:r>
-            <a:endParaRPr lang="ru-RU" sz="2000" dirty="0">
-              <a:solidFill>
-                <a:schemeClr val="tx1"/>
-              </a:solidFill>
-            </a:endParaRPr>
-          </a:p>
-        </p:txBody>
-      </p:sp>
-      <p:sp>
-        <p:nvSpPr>
-          <p:cNvPr id="2" name="TextBox 1"/>
-          <p:cNvSpPr txBox="1"/>
-          <p:nvPr/>
-        </p:nvSpPr>
-        <p:spPr>
-          <a:xfrm>
-            <a:off x="2135560" y="4811668"/>
-            <a:ext cx="8496944" cy="1569660"/>
-          </a:xfrm>
-          <a:prstGeom prst="rect">
-            <a:avLst/>
-          </a:prstGeom>
-          <a:noFill/>
-        </p:spPr>
-        <p:txBody>
-          <a:bodyPr wrap="square" rtlCol="0">
-            <a:spAutoFit/>
-          </a:bodyPr>
-          <a:lstStyle/>
-          <a:p>
-            <a:r>
-              <a:rPr lang="ru-RU" sz="2400" dirty="0"/>
-              <a:t>Код на языке </a:t>
-            </a:r>
-            <a:r>
-              <a:rPr lang="en-US" sz="2400" b="1" dirty="0"/>
-              <a:t>CSS</a:t>
-            </a:r>
-            <a:r>
-              <a:rPr lang="en-US" sz="2400" dirty="0"/>
-              <a:t> </a:t>
-            </a:r>
-            <a:r>
-              <a:rPr lang="ru-RU" sz="2400" dirty="0"/>
-              <a:t>состоит из стилевых правил, каждое правило содержит </a:t>
-            </a:r>
-            <a:r>
-              <a:rPr lang="ru-RU" sz="2400" b="1" dirty="0"/>
-              <a:t>селектор</a:t>
-            </a:r>
-            <a:r>
-              <a:rPr lang="ru-RU" sz="2400" dirty="0"/>
-              <a:t> (указание на то какие теги необходимо оформить эти правилом) и набор </a:t>
-            </a:r>
-            <a:r>
-              <a:rPr lang="ru-RU" sz="2400" b="1" dirty="0"/>
-              <a:t>стилевых свойств</a:t>
-            </a:r>
-            <a:r>
-              <a:rPr lang="ru-RU" sz="2400" dirty="0"/>
-              <a:t>, которые и задают оформление (на примере </a:t>
-            </a:r>
-            <a:r>
-              <a:rPr lang="en-US" sz="2400" b="1" i="1" dirty="0"/>
-              <a:t>color</a:t>
-            </a:r>
-            <a:r>
-              <a:rPr lang="en-US" sz="2400" dirty="0"/>
-              <a:t>, </a:t>
-            </a:r>
-            <a:r>
-              <a:rPr lang="en-US" sz="2400" b="1" i="1" dirty="0"/>
-              <a:t>font-size</a:t>
-            </a:r>
-            <a:r>
-              <a:rPr lang="en-US" sz="2400" i="1" dirty="0"/>
-              <a:t> </a:t>
-            </a:r>
-            <a:r>
-              <a:rPr lang="ru-RU" sz="2400" i="1" dirty="0"/>
-              <a:t>и др.</a:t>
-            </a:r>
-            <a:r>
-              <a:rPr lang="ru-RU" sz="2400" dirty="0"/>
-              <a:t>).</a:t>
-            </a:r>
-            <a:endParaRPr lang="uk-UA" sz="2400" dirty="0"/>
-          </a:p>
-        </p:txBody>
-      </p:sp>
-    </p:spTree>
-    <p:extLst>
-      <p:ext uri="{BB962C8B-B14F-4D97-AF65-F5344CB8AC3E}">
-        <p14:creationId xmlns:p14="http://schemas.microsoft.com/office/powerpoint/2010/main" val="1730001629"/>
-      </p:ext>
-    </p:extLst>
-  </p:cSld>
-  <p:clrMapOvr>
-    <a:masterClrMapping/>
-  </p:clrMapOvr>
-</p:sld>
-</file>
-
-<file path=ppt/slides/slide30.xml><?xml version="1.0" encoding="utf-8"?>
-<p:sld xmlns:a="http://schemas.openxmlformats.org/drawingml/2006/main" xmlns:r="http://schemas.openxmlformats.org/officeDocument/2006/relationships" xmlns:p="http://schemas.openxmlformats.org/presentationml/2006/main">
-  <p:cSld>
-    <p:spTree>
-      <p:nvGrpSpPr>
-        <p:cNvPr id="1" name=""/>
-        <p:cNvGrpSpPr/>
-        <p:nvPr/>
-      </p:nvGrpSpPr>
-      <p:grpSpPr>
-        <a:xfrm>
-          <a:off x="0" y="0"/>
-          <a:ext cx="0" cy="0"/>
-          <a:chOff x="0" y="0"/>
-          <a:chExt cx="0" cy="0"/>
-        </a:xfrm>
-      </p:grpSpPr>
-      <p:sp>
-        <p:nvSpPr>
-          <p:cNvPr id="5" name="Прямоугольник 4"/>
-          <p:cNvSpPr/>
-          <p:nvPr/>
-        </p:nvSpPr>
-        <p:spPr>
-          <a:xfrm>
-            <a:off x="0" y="0"/>
-            <a:ext cx="12192000" cy="6858000"/>
-          </a:xfrm>
-          <a:prstGeom prst="rect">
-            <a:avLst/>
-          </a:prstGeom>
-          <a:solidFill>
-            <a:schemeClr val="tx2">
-              <a:lumMod val="75000"/>
-            </a:schemeClr>
-          </a:solidFill>
-        </p:spPr>
-        <p:style>
-          <a:lnRef idx="2">
-            <a:schemeClr val="accent1">
-              <a:shade val="50000"/>
-            </a:schemeClr>
-          </a:lnRef>
-          <a:fillRef idx="1">
-            <a:schemeClr val="accent1"/>
-          </a:fillRef>
-          <a:effectRef idx="0">
-            <a:schemeClr val="accent1"/>
-          </a:effectRef>
-          <a:fontRef idx="minor">
-            <a:schemeClr val="lt1"/>
-          </a:fontRef>
-        </p:style>
-        <p:txBody>
-          <a:bodyPr rtlCol="0" anchor="ctr"/>
-          <a:lstStyle/>
-          <a:p>
-            <a:pPr algn="ctr"/>
-            <a:r>
-              <a:rPr lang="ru-RU" sz="6600" b="1" dirty="0"/>
-              <a:t>К следующему </a:t>
-            </a:r>
-          </a:p>
-          <a:p>
-            <a:pPr algn="ctr"/>
-            <a:r>
-              <a:rPr lang="ru-RU" sz="6600" b="1" dirty="0"/>
-              <a:t>занятию…</a:t>
-            </a:r>
-            <a:endParaRPr lang="uk-UA" sz="6600" b="1" dirty="0"/>
-          </a:p>
-        </p:txBody>
-      </p:sp>
-    </p:spTree>
-    <p:extLst>
-      <p:ext uri="{BB962C8B-B14F-4D97-AF65-F5344CB8AC3E}">
-        <p14:creationId xmlns:p14="http://schemas.microsoft.com/office/powerpoint/2010/main" val="781962656"/>
-      </p:ext>
-    </p:extLst>
-  </p:cSld>
-  <p:clrMapOvr>
-    <a:masterClrMapping/>
-  </p:clrMapOvr>
-</p:sld>
-</file>
-
 <file path=ppt/slides/slide31.xml><?xml version="1.0" encoding="utf-8"?>
 <p:sld xmlns:a="http://schemas.openxmlformats.org/drawingml/2006/main" xmlns:r="http://schemas.openxmlformats.org/officeDocument/2006/relationships" xmlns:p="http://schemas.openxmlformats.org/presentationml/2006/main">
   <p:cSld>
@@ -10450,6 +10330,595 @@
       </p:grpSpPr>
       <p:sp>
         <p:nvSpPr>
+          <p:cNvPr id="2" name="TextBox 1">
+            <a:extLst>
+              <a:ext uri="{FF2B5EF4-FFF2-40B4-BE49-F238E27FC236}">
+                <a16:creationId xmlns:a16="http://schemas.microsoft.com/office/drawing/2014/main" id="{A829F368-22C7-455B-81B9-B986E2E49907}"/>
+              </a:ext>
+            </a:extLst>
+          </p:cNvPr>
+          <p:cNvSpPr txBox="1"/>
+          <p:nvPr/>
+        </p:nvSpPr>
+        <p:spPr>
+          <a:xfrm>
+            <a:off x="0" y="332656"/>
+            <a:ext cx="12192000" cy="584775"/>
+          </a:xfrm>
+          <a:prstGeom prst="rect">
+            <a:avLst/>
+          </a:prstGeom>
+          <a:noFill/>
+        </p:spPr>
+        <p:txBody>
+          <a:bodyPr wrap="square" rtlCol="0">
+            <a:spAutoFit/>
+          </a:bodyPr>
+          <a:lstStyle/>
+          <a:p>
+            <a:pPr algn="ctr"/>
+            <a:r>
+              <a:rPr lang="ru-RU" sz="3200" b="1" dirty="0"/>
+              <a:t>Для выполнения второго этапа</a:t>
+            </a:r>
+            <a:endParaRPr lang="uk-UA" sz="3200" b="1" dirty="0"/>
+          </a:p>
+        </p:txBody>
+      </p:sp>
+      <p:sp>
+        <p:nvSpPr>
+          <p:cNvPr id="4" name="TextBox 3">
+            <a:extLst>
+              <a:ext uri="{FF2B5EF4-FFF2-40B4-BE49-F238E27FC236}">
+                <a16:creationId xmlns:a16="http://schemas.microsoft.com/office/drawing/2014/main" id="{588D9AAF-00CC-432D-A1F2-9D3639D1154D}"/>
+              </a:ext>
+            </a:extLst>
+          </p:cNvPr>
+          <p:cNvSpPr txBox="1"/>
+          <p:nvPr/>
+        </p:nvSpPr>
+        <p:spPr>
+          <a:xfrm>
+            <a:off x="983432" y="1177582"/>
+            <a:ext cx="10225136" cy="5098575"/>
+          </a:xfrm>
+          <a:prstGeom prst="rect">
+            <a:avLst/>
+          </a:prstGeom>
+          <a:noFill/>
+        </p:spPr>
+        <p:txBody>
+          <a:bodyPr wrap="square" rtlCol="0">
+            <a:spAutoFit/>
+          </a:bodyPr>
+          <a:lstStyle/>
+          <a:p>
+            <a:pPr>
+              <a:lnSpc>
+                <a:spcPct val="107000"/>
+              </a:lnSpc>
+              <a:spcAft>
+                <a:spcPts val="800"/>
+              </a:spcAft>
+            </a:pPr>
+            <a:r>
+              <a:rPr lang="ru-RU" sz="2000" b="1" dirty="0">
+                <a:effectLst/>
+                <a:latin typeface="Calibri" panose="020F0502020204030204" pitchFamily="34" charset="0"/>
+                <a:ea typeface="Calibri" panose="020F0502020204030204" pitchFamily="34" charset="0"/>
+                <a:cs typeface="Times New Roman" panose="02020603050405020304" pitchFamily="18" charset="0"/>
+              </a:rPr>
+              <a:t>Контейнер</a:t>
+            </a:r>
+            <a:r>
+              <a:rPr lang="ru-RU" sz="2000" dirty="0">
+                <a:effectLst/>
+                <a:latin typeface="Calibri" panose="020F0502020204030204" pitchFamily="34" charset="0"/>
+                <a:ea typeface="Calibri" panose="020F0502020204030204" pitchFamily="34" charset="0"/>
+                <a:cs typeface="Times New Roman" panose="02020603050405020304" pitchFamily="18" charset="0"/>
+              </a:rPr>
+              <a:t> не обязательно должен быть самым «верхним» тегом, </a:t>
+            </a:r>
+            <a:r>
+              <a:rPr lang="ru-RU" sz="2000" b="1" dirty="0">
+                <a:effectLst/>
+                <a:latin typeface="Calibri" panose="020F0502020204030204" pitchFamily="34" charset="0"/>
+                <a:ea typeface="Calibri" panose="020F0502020204030204" pitchFamily="34" charset="0"/>
+                <a:cs typeface="Times New Roman" panose="02020603050405020304" pitchFamily="18" charset="0"/>
+              </a:rPr>
+              <a:t>контейнер</a:t>
+            </a:r>
+            <a:r>
+              <a:rPr lang="ru-RU" sz="2000" dirty="0">
+                <a:effectLst/>
+                <a:latin typeface="Calibri" panose="020F0502020204030204" pitchFamily="34" charset="0"/>
+                <a:ea typeface="Calibri" panose="020F0502020204030204" pitchFamily="34" charset="0"/>
+                <a:cs typeface="Times New Roman" panose="02020603050405020304" pitchFamily="18" charset="0"/>
+              </a:rPr>
+              <a:t> может сам находится внутри какого-то другого тега. И </a:t>
+            </a:r>
+            <a:r>
+              <a:rPr lang="ru-RU" sz="2000" b="1" dirty="0">
+                <a:effectLst/>
+                <a:latin typeface="Calibri" panose="020F0502020204030204" pitchFamily="34" charset="0"/>
+                <a:ea typeface="Calibri" panose="020F0502020204030204" pitchFamily="34" charset="0"/>
+                <a:cs typeface="Times New Roman" panose="02020603050405020304" pitchFamily="18" charset="0"/>
+              </a:rPr>
+              <a:t>контейнеров</a:t>
+            </a:r>
+            <a:r>
+              <a:rPr lang="ru-RU" sz="2000" dirty="0">
+                <a:effectLst/>
+                <a:latin typeface="Calibri" panose="020F0502020204030204" pitchFamily="34" charset="0"/>
+                <a:ea typeface="Calibri" panose="020F0502020204030204" pitchFamily="34" charset="0"/>
+                <a:cs typeface="Times New Roman" panose="02020603050405020304" pitchFamily="18" charset="0"/>
+              </a:rPr>
+              <a:t> на странице может быть больше, чем один.</a:t>
+            </a:r>
+            <a:br>
+              <a:rPr lang="ru-RU" sz="2000" dirty="0">
+                <a:effectLst/>
+                <a:latin typeface="Calibri" panose="020F0502020204030204" pitchFamily="34" charset="0"/>
+                <a:ea typeface="Calibri" panose="020F0502020204030204" pitchFamily="34" charset="0"/>
+                <a:cs typeface="Times New Roman" panose="02020603050405020304" pitchFamily="18" charset="0"/>
+              </a:rPr>
+            </a:br>
+            <a:endParaRPr lang="uk-UA" sz="2000" dirty="0">
+              <a:effectLst/>
+              <a:latin typeface="Calibri" panose="020F0502020204030204" pitchFamily="34" charset="0"/>
+              <a:ea typeface="Calibri" panose="020F0502020204030204" pitchFamily="34" charset="0"/>
+              <a:cs typeface="Times New Roman" panose="02020603050405020304" pitchFamily="18" charset="0"/>
+            </a:endParaRPr>
+          </a:p>
+          <a:p>
+            <a:pPr>
+              <a:lnSpc>
+                <a:spcPct val="107000"/>
+              </a:lnSpc>
+              <a:spcAft>
+                <a:spcPts val="800"/>
+              </a:spcAft>
+            </a:pPr>
+            <a:r>
+              <a:rPr lang="ru-RU" sz="2000" dirty="0">
+                <a:effectLst/>
+                <a:latin typeface="Calibri" panose="020F0502020204030204" pitchFamily="34" charset="0"/>
+                <a:ea typeface="Calibri" panose="020F0502020204030204" pitchFamily="34" charset="0"/>
+                <a:cs typeface="Times New Roman" panose="02020603050405020304" pitchFamily="18" charset="0"/>
+              </a:rPr>
+              <a:t>Вам скорее всего </a:t>
+            </a:r>
+            <a:r>
+              <a:rPr lang="ru-RU" sz="2000" b="1" dirty="0">
+                <a:effectLst/>
+                <a:latin typeface="Calibri" panose="020F0502020204030204" pitchFamily="34" charset="0"/>
+                <a:ea typeface="Calibri" panose="020F0502020204030204" pitchFamily="34" charset="0"/>
+                <a:cs typeface="Times New Roman" panose="02020603050405020304" pitchFamily="18" charset="0"/>
+              </a:rPr>
+              <a:t>понадобятся</a:t>
+            </a:r>
+            <a:r>
+              <a:rPr lang="ru-RU" sz="2000" dirty="0">
+                <a:effectLst/>
+                <a:latin typeface="Calibri" panose="020F0502020204030204" pitchFamily="34" charset="0"/>
+                <a:ea typeface="Calibri" panose="020F0502020204030204" pitchFamily="34" charset="0"/>
+                <a:cs typeface="Times New Roman" panose="02020603050405020304" pitchFamily="18" charset="0"/>
+              </a:rPr>
+              <a:t> </a:t>
+            </a:r>
+            <a:r>
+              <a:rPr lang="ru-RU" sz="2000" b="1" dirty="0">
+                <a:effectLst/>
+                <a:latin typeface="Calibri" panose="020F0502020204030204" pitchFamily="34" charset="0"/>
+                <a:ea typeface="Calibri" panose="020F0502020204030204" pitchFamily="34" charset="0"/>
+                <a:cs typeface="Times New Roman" panose="02020603050405020304" pitchFamily="18" charset="0"/>
+              </a:rPr>
+              <a:t>свойства</a:t>
+            </a:r>
+            <a:r>
+              <a:rPr lang="ru-RU" sz="2000" dirty="0">
+                <a:effectLst/>
+                <a:latin typeface="Calibri" panose="020F0502020204030204" pitchFamily="34" charset="0"/>
+                <a:ea typeface="Calibri" panose="020F0502020204030204" pitchFamily="34" charset="0"/>
+                <a:cs typeface="Times New Roman" panose="02020603050405020304" pitchFamily="18" charset="0"/>
+              </a:rPr>
+              <a:t>:</a:t>
+            </a:r>
+            <a:br>
+              <a:rPr lang="ru-RU" sz="2000" dirty="0">
+                <a:effectLst/>
+                <a:latin typeface="Calibri" panose="020F0502020204030204" pitchFamily="34" charset="0"/>
+                <a:ea typeface="Calibri" panose="020F0502020204030204" pitchFamily="34" charset="0"/>
+                <a:cs typeface="Times New Roman" panose="02020603050405020304" pitchFamily="18" charset="0"/>
+              </a:rPr>
+            </a:br>
+            <a:r>
+              <a:rPr lang="ru-RU" sz="2000" u="sng" dirty="0">
+                <a:solidFill>
+                  <a:srgbClr val="0563C1"/>
+                </a:solidFill>
+                <a:effectLst/>
+                <a:latin typeface="Calibri" panose="020F0502020204030204" pitchFamily="34" charset="0"/>
+                <a:ea typeface="Calibri" panose="020F0502020204030204" pitchFamily="34" charset="0"/>
+                <a:cs typeface="Times New Roman" panose="02020603050405020304" pitchFamily="18" charset="0"/>
+                <a:hlinkClick r:id="rId2"/>
+              </a:rPr>
+              <a:t>https://webref.ru/css/background-image</a:t>
+            </a:r>
+            <a:endParaRPr lang="uk-UA" sz="2000" dirty="0">
+              <a:effectLst/>
+              <a:latin typeface="Calibri" panose="020F0502020204030204" pitchFamily="34" charset="0"/>
+              <a:ea typeface="Calibri" panose="020F0502020204030204" pitchFamily="34" charset="0"/>
+              <a:cs typeface="Times New Roman" panose="02020603050405020304" pitchFamily="18" charset="0"/>
+            </a:endParaRPr>
+          </a:p>
+          <a:p>
+            <a:pPr>
+              <a:lnSpc>
+                <a:spcPct val="107000"/>
+              </a:lnSpc>
+              <a:spcAft>
+                <a:spcPts val="800"/>
+              </a:spcAft>
+            </a:pPr>
+            <a:r>
+              <a:rPr lang="ru-RU" sz="2000" u="sng" dirty="0">
+                <a:solidFill>
+                  <a:srgbClr val="0563C1"/>
+                </a:solidFill>
+                <a:effectLst/>
+                <a:latin typeface="Calibri" panose="020F0502020204030204" pitchFamily="34" charset="0"/>
+                <a:ea typeface="Calibri" panose="020F0502020204030204" pitchFamily="34" charset="0"/>
+                <a:cs typeface="Times New Roman" panose="02020603050405020304" pitchFamily="18" charset="0"/>
+                <a:hlinkClick r:id="rId3"/>
+              </a:rPr>
+              <a:t>https://webref.ru/css/background-size</a:t>
+            </a:r>
+            <a:endParaRPr lang="uk-UA" sz="2000" dirty="0">
+              <a:effectLst/>
+              <a:latin typeface="Calibri" panose="020F0502020204030204" pitchFamily="34" charset="0"/>
+              <a:ea typeface="Calibri" panose="020F0502020204030204" pitchFamily="34" charset="0"/>
+              <a:cs typeface="Times New Roman" panose="02020603050405020304" pitchFamily="18" charset="0"/>
+            </a:endParaRPr>
+          </a:p>
+          <a:p>
+            <a:pPr>
+              <a:lnSpc>
+                <a:spcPct val="107000"/>
+              </a:lnSpc>
+              <a:spcAft>
+                <a:spcPts val="800"/>
+              </a:spcAft>
+            </a:pPr>
+            <a:r>
+              <a:rPr lang="ru-RU" sz="2000" u="sng" dirty="0">
+                <a:solidFill>
+                  <a:srgbClr val="0563C1"/>
+                </a:solidFill>
+                <a:effectLst/>
+                <a:latin typeface="Calibri" panose="020F0502020204030204" pitchFamily="34" charset="0"/>
+                <a:ea typeface="Calibri" panose="020F0502020204030204" pitchFamily="34" charset="0"/>
+                <a:cs typeface="Times New Roman" panose="02020603050405020304" pitchFamily="18" charset="0"/>
+                <a:hlinkClick r:id="rId4"/>
+              </a:rPr>
+              <a:t>https://webref.ru/css/background-position</a:t>
+            </a:r>
+            <a:br>
+              <a:rPr lang="ru-RU" sz="2000" dirty="0">
+                <a:effectLst/>
+                <a:latin typeface="Calibri" panose="020F0502020204030204" pitchFamily="34" charset="0"/>
+                <a:ea typeface="Calibri" panose="020F0502020204030204" pitchFamily="34" charset="0"/>
+                <a:cs typeface="Times New Roman" panose="02020603050405020304" pitchFamily="18" charset="0"/>
+              </a:rPr>
+            </a:br>
+            <a:endParaRPr lang="uk-UA" sz="2000" dirty="0">
+              <a:effectLst/>
+              <a:latin typeface="Calibri" panose="020F0502020204030204" pitchFamily="34" charset="0"/>
+              <a:ea typeface="Calibri" panose="020F0502020204030204" pitchFamily="34" charset="0"/>
+              <a:cs typeface="Times New Roman" panose="02020603050405020304" pitchFamily="18" charset="0"/>
+            </a:endParaRPr>
+          </a:p>
+          <a:p>
+            <a:pPr>
+              <a:lnSpc>
+                <a:spcPct val="107000"/>
+              </a:lnSpc>
+              <a:spcAft>
+                <a:spcPts val="800"/>
+              </a:spcAft>
+            </a:pPr>
+            <a:r>
+              <a:rPr lang="ru-RU" sz="2000" dirty="0">
+                <a:effectLst/>
+                <a:latin typeface="Calibri" panose="020F0502020204030204" pitchFamily="34" charset="0"/>
+                <a:ea typeface="Calibri" panose="020F0502020204030204" pitchFamily="34" charset="0"/>
+                <a:cs typeface="Times New Roman" panose="02020603050405020304" pitchFamily="18" charset="0"/>
+              </a:rPr>
+              <a:t>Возможно, вам понадобится указать </a:t>
+            </a:r>
+            <a:r>
+              <a:rPr lang="ru-RU" sz="2000" b="1" dirty="0">
+                <a:effectLst/>
+                <a:latin typeface="Calibri" panose="020F0502020204030204" pitchFamily="34" charset="0"/>
+                <a:ea typeface="Calibri" panose="020F0502020204030204" pitchFamily="34" charset="0"/>
+                <a:cs typeface="Times New Roman" panose="02020603050405020304" pitchFamily="18" charset="0"/>
+              </a:rPr>
+              <a:t>относительный путь к изображению</a:t>
+            </a:r>
+            <a:r>
+              <a:rPr lang="ru-RU" sz="2000" dirty="0">
+                <a:effectLst/>
+                <a:latin typeface="Calibri" panose="020F0502020204030204" pitchFamily="34" charset="0"/>
+                <a:ea typeface="Calibri" panose="020F0502020204030204" pitchFamily="34" charset="0"/>
+                <a:cs typeface="Times New Roman" panose="02020603050405020304" pitchFamily="18" charset="0"/>
+              </a:rPr>
+              <a:t>, которое находится с «соседнем» каталоге, и в пути будет необходимо подняться на один уровень выше, для этого в пути используется две точки: </a:t>
+            </a:r>
+            <a:r>
+              <a:rPr lang="ru-RU" sz="2000" b="1" dirty="0">
+                <a:solidFill>
+                  <a:srgbClr val="00B050"/>
+                </a:solidFill>
+                <a:effectLst/>
+                <a:latin typeface="Courier New" panose="02070309020205020404" pitchFamily="49" charset="0"/>
+                <a:ea typeface="Calibri" panose="020F0502020204030204" pitchFamily="34" charset="0"/>
+                <a:cs typeface="Courier New" panose="02070309020205020404" pitchFamily="49" charset="0"/>
+              </a:rPr>
+              <a:t>'../</a:t>
+            </a:r>
+            <a:r>
+              <a:rPr lang="ru-RU" sz="2000" b="1" dirty="0" err="1">
+                <a:solidFill>
+                  <a:srgbClr val="00B050"/>
+                </a:solidFill>
+                <a:effectLst/>
+                <a:latin typeface="Courier New" panose="02070309020205020404" pitchFamily="49" charset="0"/>
+                <a:ea typeface="Calibri" panose="020F0502020204030204" pitchFamily="34" charset="0"/>
+                <a:cs typeface="Courier New" panose="02070309020205020404" pitchFamily="49" charset="0"/>
+              </a:rPr>
+              <a:t>im</a:t>
+            </a:r>
+            <a:r>
+              <a:rPr lang="en-US" sz="2000" b="1" dirty="0">
+                <a:solidFill>
+                  <a:srgbClr val="00B050"/>
+                </a:solidFill>
+                <a:effectLst/>
+                <a:latin typeface="Courier New" panose="02070309020205020404" pitchFamily="49" charset="0"/>
+                <a:ea typeface="Calibri" panose="020F0502020204030204" pitchFamily="34" charset="0"/>
+                <a:cs typeface="Courier New" panose="02070309020205020404" pitchFamily="49" charset="0"/>
+              </a:rPr>
+              <a:t>g</a:t>
+            </a:r>
+            <a:r>
+              <a:rPr lang="ru-RU" sz="2000" b="1" dirty="0">
+                <a:solidFill>
+                  <a:srgbClr val="00B050"/>
+                </a:solidFill>
+                <a:effectLst/>
+                <a:latin typeface="Courier New" panose="02070309020205020404" pitchFamily="49" charset="0"/>
+                <a:ea typeface="Calibri" panose="020F0502020204030204" pitchFamily="34" charset="0"/>
+                <a:cs typeface="Courier New" panose="02070309020205020404" pitchFamily="49" charset="0"/>
+              </a:rPr>
+              <a:t>/background.jpg' </a:t>
+            </a:r>
+            <a:r>
+              <a:rPr lang="ru-RU" sz="2000" dirty="0">
+                <a:effectLst/>
+                <a:latin typeface="Calibri" panose="020F0502020204030204" pitchFamily="34" charset="0"/>
+                <a:ea typeface="Calibri" panose="020F0502020204030204" pitchFamily="34" charset="0"/>
+                <a:cs typeface="Times New Roman" panose="02020603050405020304" pitchFamily="18" charset="0"/>
+              </a:rPr>
+              <a:t>этот </a:t>
+            </a:r>
+            <a:r>
+              <a:rPr lang="ru-RU" sz="2000" b="1" dirty="0">
+                <a:effectLst/>
+                <a:latin typeface="Calibri" panose="020F0502020204030204" pitchFamily="34" charset="0"/>
+                <a:ea typeface="Calibri" panose="020F0502020204030204" pitchFamily="34" charset="0"/>
+                <a:cs typeface="Times New Roman" panose="02020603050405020304" pitchFamily="18" charset="0"/>
+              </a:rPr>
+              <a:t>относительный путь </a:t>
+            </a:r>
+            <a:r>
+              <a:rPr lang="ru-RU" sz="2000" dirty="0">
+                <a:effectLst/>
+                <a:latin typeface="Calibri" panose="020F0502020204030204" pitchFamily="34" charset="0"/>
+                <a:ea typeface="Calibri" panose="020F0502020204030204" pitchFamily="34" charset="0"/>
+                <a:cs typeface="Times New Roman" panose="02020603050405020304" pitchFamily="18" charset="0"/>
+              </a:rPr>
+              <a:t>позволит из каталога </a:t>
+            </a:r>
+            <a:r>
+              <a:rPr lang="ru-RU" sz="2000" b="1" dirty="0" err="1">
+                <a:effectLst/>
+                <a:latin typeface="Calibri" panose="020F0502020204030204" pitchFamily="34" charset="0"/>
+                <a:ea typeface="Calibri" panose="020F0502020204030204" pitchFamily="34" charset="0"/>
+                <a:cs typeface="Times New Roman" panose="02020603050405020304" pitchFamily="18" charset="0"/>
+              </a:rPr>
+              <a:t>css</a:t>
+            </a:r>
+            <a:r>
+              <a:rPr lang="ru-RU" sz="2000" dirty="0">
+                <a:effectLst/>
+                <a:latin typeface="Calibri" panose="020F0502020204030204" pitchFamily="34" charset="0"/>
+                <a:ea typeface="Calibri" panose="020F0502020204030204" pitchFamily="34" charset="0"/>
+                <a:cs typeface="Times New Roman" panose="02020603050405020304" pitchFamily="18" charset="0"/>
+              </a:rPr>
+              <a:t> подняться в </a:t>
+            </a:r>
+            <a:r>
+              <a:rPr lang="ru-RU" sz="2000" b="1" dirty="0" err="1">
+                <a:effectLst/>
+                <a:latin typeface="Calibri" panose="020F0502020204030204" pitchFamily="34" charset="0"/>
+                <a:ea typeface="Calibri" panose="020F0502020204030204" pitchFamily="34" charset="0"/>
+                <a:cs typeface="Times New Roman" panose="02020603050405020304" pitchFamily="18" charset="0"/>
+              </a:rPr>
+              <a:t>assets</a:t>
+            </a:r>
+            <a:r>
+              <a:rPr lang="ru-RU" sz="2000" dirty="0">
+                <a:effectLst/>
+                <a:latin typeface="Calibri" panose="020F0502020204030204" pitchFamily="34" charset="0"/>
+                <a:ea typeface="Calibri" panose="020F0502020204030204" pitchFamily="34" charset="0"/>
+                <a:cs typeface="Times New Roman" panose="02020603050405020304" pitchFamily="18" charset="0"/>
+              </a:rPr>
+              <a:t> и спустится в каталог с изображениями</a:t>
+            </a:r>
+            <a:r>
+              <a:rPr lang="en-US" sz="2000" dirty="0">
+                <a:effectLst/>
+                <a:latin typeface="Calibri" panose="020F0502020204030204" pitchFamily="34" charset="0"/>
+                <a:ea typeface="Calibri" panose="020F0502020204030204" pitchFamily="34" charset="0"/>
+                <a:cs typeface="Times New Roman" panose="02020603050405020304" pitchFamily="18" charset="0"/>
+              </a:rPr>
+              <a:t> </a:t>
+            </a:r>
+            <a:r>
+              <a:rPr lang="en-US" sz="2000" b="1" dirty="0" err="1">
+                <a:effectLst/>
+                <a:latin typeface="Calibri" panose="020F0502020204030204" pitchFamily="34" charset="0"/>
+                <a:ea typeface="Calibri" panose="020F0502020204030204" pitchFamily="34" charset="0"/>
+                <a:cs typeface="Times New Roman" panose="02020603050405020304" pitchFamily="18" charset="0"/>
+              </a:rPr>
+              <a:t>img</a:t>
+            </a:r>
+            <a:r>
+              <a:rPr lang="ru-RU" sz="2000" dirty="0">
+                <a:effectLst/>
+                <a:latin typeface="Calibri" panose="020F0502020204030204" pitchFamily="34" charset="0"/>
+                <a:ea typeface="Calibri" panose="020F0502020204030204" pitchFamily="34" charset="0"/>
+                <a:cs typeface="Times New Roman" panose="02020603050405020304" pitchFamily="18" charset="0"/>
+              </a:rPr>
+              <a:t>.</a:t>
+            </a:r>
+            <a:endParaRPr lang="uk-UA" sz="2000" dirty="0">
+              <a:effectLst/>
+              <a:latin typeface="Calibri" panose="020F0502020204030204" pitchFamily="34" charset="0"/>
+              <a:ea typeface="Calibri" panose="020F0502020204030204" pitchFamily="34" charset="0"/>
+              <a:cs typeface="Times New Roman" panose="02020603050405020304" pitchFamily="18" charset="0"/>
+            </a:endParaRPr>
+          </a:p>
+        </p:txBody>
+      </p:sp>
+    </p:spTree>
+    <p:extLst>
+      <p:ext uri="{BB962C8B-B14F-4D97-AF65-F5344CB8AC3E}">
+        <p14:creationId xmlns:p14="http://schemas.microsoft.com/office/powerpoint/2010/main" val="1034010322"/>
+      </p:ext>
+    </p:extLst>
+  </p:cSld>
+  <p:clrMapOvr>
+    <a:masterClrMapping/>
+  </p:clrMapOvr>
+</p:sld>
+</file>
+
+<file path=ppt/slides/slide32.xml><?xml version="1.0" encoding="utf-8"?>
+<p:sld xmlns:a="http://schemas.openxmlformats.org/drawingml/2006/main" xmlns:r="http://schemas.openxmlformats.org/officeDocument/2006/relationships" xmlns:p="http://schemas.openxmlformats.org/presentationml/2006/main">
+  <p:cSld>
+    <p:spTree>
+      <p:nvGrpSpPr>
+        <p:cNvPr id="1" name=""/>
+        <p:cNvGrpSpPr/>
+        <p:nvPr/>
+      </p:nvGrpSpPr>
+      <p:grpSpPr>
+        <a:xfrm>
+          <a:off x="0" y="0"/>
+          <a:ext cx="0" cy="0"/>
+          <a:chOff x="0" y="0"/>
+          <a:chExt cx="0" cy="0"/>
+        </a:xfrm>
+      </p:grpSpPr>
+      <p:sp>
+        <p:nvSpPr>
+          <p:cNvPr id="5" name="Прямоугольник 4"/>
+          <p:cNvSpPr/>
+          <p:nvPr/>
+        </p:nvSpPr>
+        <p:spPr>
+          <a:xfrm>
+            <a:off x="0" y="0"/>
+            <a:ext cx="12192000" cy="6858000"/>
+          </a:xfrm>
+          <a:prstGeom prst="rect">
+            <a:avLst/>
+          </a:prstGeom>
+          <a:solidFill>
+            <a:schemeClr val="tx2">
+              <a:lumMod val="75000"/>
+            </a:schemeClr>
+          </a:solidFill>
+        </p:spPr>
+        <p:style>
+          <a:lnRef idx="2">
+            <a:schemeClr val="accent1">
+              <a:shade val="50000"/>
+            </a:schemeClr>
+          </a:lnRef>
+          <a:fillRef idx="1">
+            <a:schemeClr val="accent1"/>
+          </a:fillRef>
+          <a:effectRef idx="0">
+            <a:schemeClr val="accent1"/>
+          </a:effectRef>
+          <a:fontRef idx="minor">
+            <a:schemeClr val="lt1"/>
+          </a:fontRef>
+        </p:style>
+        <p:txBody>
+          <a:bodyPr rtlCol="0" anchor="ctr"/>
+          <a:lstStyle/>
+          <a:p>
+            <a:pPr algn="ctr"/>
+            <a:r>
+              <a:rPr lang="ru-RU" sz="6600" b="1" dirty="0"/>
+              <a:t>К следующему </a:t>
+            </a:r>
+          </a:p>
+          <a:p>
+            <a:pPr algn="ctr"/>
+            <a:r>
+              <a:rPr lang="ru-RU" sz="6600" b="1" dirty="0"/>
+              <a:t>занятию…</a:t>
+            </a:r>
+            <a:endParaRPr lang="uk-UA" sz="6600" b="1" dirty="0"/>
+          </a:p>
+        </p:txBody>
+      </p:sp>
+    </p:spTree>
+    <p:extLst>
+      <p:ext uri="{BB962C8B-B14F-4D97-AF65-F5344CB8AC3E}">
+        <p14:creationId xmlns:p14="http://schemas.microsoft.com/office/powerpoint/2010/main" val="781962656"/>
+      </p:ext>
+    </p:extLst>
+  </p:cSld>
+  <p:clrMapOvr>
+    <a:masterClrMapping/>
+  </p:clrMapOvr>
+</p:sld>
+</file>
+
+<file path=ppt/slides/slide33.xml><?xml version="1.0" encoding="utf-8"?>
+<p:sld xmlns:a="http://schemas.openxmlformats.org/drawingml/2006/main" xmlns:r="http://schemas.openxmlformats.org/officeDocument/2006/relationships" xmlns:p="http://schemas.openxmlformats.org/presentationml/2006/main">
+  <p:cSld>
+    <p:spTree>
+      <p:nvGrpSpPr>
+        <p:cNvPr id="1" name=""/>
+        <p:cNvGrpSpPr/>
+        <p:nvPr/>
+      </p:nvGrpSpPr>
+      <p:grpSpPr>
+        <a:xfrm>
+          <a:off x="0" y="0"/>
+          <a:ext cx="0" cy="0"/>
+          <a:chOff x="0" y="0"/>
+          <a:chExt cx="0" cy="0"/>
+        </a:xfrm>
+      </p:grpSpPr>
+      <p:sp>
+        <p:nvSpPr>
           <p:cNvPr id="8" name="Номер слайда 36"/>
           <p:cNvSpPr txBox="1">
             <a:spLocks/>
@@ -10506,7 +10975,7 @@
               <a:pPr algn="ctr">
                 <a:defRPr/>
               </a:pPr>
-              <a:t>31</a:t>
+              <a:t>33</a:t>
             </a:fld>
             <a:endParaRPr lang="uk-UA" sz="2400" b="1" dirty="0">
               <a:solidFill>

--- a/lesson04.pptx
+++ b/lesson04.pptx
@@ -214,7 +214,7 @@
 <file path=ppt/revisionInfo.xml><?xml version="1.0" encoding="utf-8"?>
 <p1510:revInfo xmlns:a="http://schemas.openxmlformats.org/drawingml/2006/main" xmlns:r="http://schemas.openxmlformats.org/officeDocument/2006/relationships" xmlns:p1510="http://schemas.microsoft.com/office/powerpoint/2015/10/main">
   <p1510:revLst>
-    <p1510:client id="{9FB6251F-F551-4D18-9265-F10A61047523}" v="2" dt="2021-04-04T17:51:07.811"/>
+    <p1510:client id="{9FB6251F-F551-4D18-9265-F10A61047523}" v="3" dt="2021-04-05T05:54:52.555"/>
   </p1510:revLst>
 </p1510:revInfo>
 </file>
@@ -412,10 +412,57 @@
   <pc:docChgLst>
     <pc:chgData name="Anatoliy Kigel" userId="7432c6c4687b0a9c" providerId="LiveId" clId="{9FB6251F-F551-4D18-9265-F10A61047523}"/>
     <pc:docChg chg="undo custSel addSld modSld sldOrd modSection">
-      <pc:chgData name="Anatoliy Kigel" userId="7432c6c4687b0a9c" providerId="LiveId" clId="{9FB6251F-F551-4D18-9265-F10A61047523}" dt="2021-04-04T17:52:15.404" v="256" actId="1440"/>
+      <pc:chgData name="Anatoliy Kigel" userId="7432c6c4687b0a9c" providerId="LiveId" clId="{9FB6251F-F551-4D18-9265-F10A61047523}" dt="2021-04-05T05:57:01.125" v="363" actId="1036"/>
       <pc:docMkLst>
         <pc:docMk/>
       </pc:docMkLst>
+      <pc:sldChg chg="addSp delSp modSp mod">
+        <pc:chgData name="Anatoliy Kigel" userId="7432c6c4687b0a9c" providerId="LiveId" clId="{9FB6251F-F551-4D18-9265-F10A61047523}" dt="2021-04-05T05:57:01.125" v="363" actId="1036"/>
+        <pc:sldMkLst>
+          <pc:docMk/>
+          <pc:sldMk cId="1643012278" sldId="329"/>
+        </pc:sldMkLst>
+        <pc:spChg chg="mod">
+          <ac:chgData name="Anatoliy Kigel" userId="7432c6c4687b0a9c" providerId="LiveId" clId="{9FB6251F-F551-4D18-9265-F10A61047523}" dt="2021-04-05T05:57:01.125" v="363" actId="1036"/>
+          <ac:spMkLst>
+            <pc:docMk/>
+            <pc:sldMk cId="1643012278" sldId="329"/>
+            <ac:spMk id="3" creationId="{00000000-0000-0000-0000-000000000000}"/>
+          </ac:spMkLst>
+        </pc:spChg>
+        <pc:spChg chg="add mod">
+          <ac:chgData name="Anatoliy Kigel" userId="7432c6c4687b0a9c" providerId="LiveId" clId="{9FB6251F-F551-4D18-9265-F10A61047523}" dt="2021-04-05T05:55:03.227" v="342" actId="404"/>
+          <ac:spMkLst>
+            <pc:docMk/>
+            <pc:sldMk cId="1643012278" sldId="329"/>
+            <ac:spMk id="8" creationId="{561CCFDE-4F2F-4E35-A42C-47A1248FE89C}"/>
+          </ac:spMkLst>
+        </pc:spChg>
+        <pc:spChg chg="mod">
+          <ac:chgData name="Anatoliy Kigel" userId="7432c6c4687b0a9c" providerId="LiveId" clId="{9FB6251F-F551-4D18-9265-F10A61047523}" dt="2021-04-05T05:55:59.525" v="355" actId="1076"/>
+          <ac:spMkLst>
+            <pc:docMk/>
+            <pc:sldMk cId="1643012278" sldId="329"/>
+            <ac:spMk id="10" creationId="{00000000-0000-0000-0000-000000000000}"/>
+          </ac:spMkLst>
+        </pc:spChg>
+        <pc:picChg chg="del">
+          <ac:chgData name="Anatoliy Kigel" userId="7432c6c4687b0a9c" providerId="LiveId" clId="{9FB6251F-F551-4D18-9265-F10A61047523}" dt="2021-04-05T05:55:04.693" v="343" actId="478"/>
+          <ac:picMkLst>
+            <pc:docMk/>
+            <pc:sldMk cId="1643012278" sldId="329"/>
+            <ac:picMk id="5" creationId="{EBCB33C5-58DF-4628-BADC-3286DE08039F}"/>
+          </ac:picMkLst>
+        </pc:picChg>
+        <pc:picChg chg="add mod">
+          <ac:chgData name="Anatoliy Kigel" userId="7432c6c4687b0a9c" providerId="LiveId" clId="{9FB6251F-F551-4D18-9265-F10A61047523}" dt="2021-04-05T05:56:26.789" v="360" actId="1582"/>
+          <ac:picMkLst>
+            <pc:docMk/>
+            <pc:sldMk cId="1643012278" sldId="329"/>
+            <ac:picMk id="6" creationId="{B21D341D-571F-4C1A-AEE1-ED477EFC18BB}"/>
+          </ac:picMkLst>
+        </pc:picChg>
+      </pc:sldChg>
       <pc:sldChg chg="modSp add mod ord">
         <pc:chgData name="Anatoliy Kigel" userId="7432c6c4687b0a9c" providerId="LiveId" clId="{9FB6251F-F551-4D18-9265-F10A61047523}" dt="2021-04-04T17:48:44.903" v="49" actId="20577"/>
         <pc:sldMkLst>
@@ -574,7 +621,7 @@
             <a:fld id="{85522811-C5C6-42D2-A409-F8556720C93F}" type="datetimeFigureOut">
               <a:rPr lang="uk-UA" smtClean="0"/>
               <a:pPr/>
-              <a:t>04.04.2021</a:t>
+              <a:t>05.04.2021</a:t>
             </a:fld>
             <a:endParaRPr lang="uk-UA"/>
           </a:p>
@@ -1204,7 +1251,7 @@
             <a:fld id="{E6FC6B0D-6115-4D7C-8040-9C8E2349BB6E}" type="datetime1">
               <a:rPr lang="uk-UA" smtClean="0"/>
               <a:pPr/>
-              <a:t>04.04.2021</a:t>
+              <a:t>05.04.2021</a:t>
             </a:fld>
             <a:endParaRPr lang="uk-UA"/>
           </a:p>
@@ -1371,7 +1418,7 @@
             <a:fld id="{996367BA-0A39-4DE2-BFC3-D5290044365E}" type="datetime1">
               <a:rPr lang="uk-UA" smtClean="0"/>
               <a:pPr/>
-              <a:t>04.04.2021</a:t>
+              <a:t>05.04.2021</a:t>
             </a:fld>
             <a:endParaRPr lang="uk-UA"/>
           </a:p>
@@ -1548,7 +1595,7 @@
             <a:fld id="{1BD6A67F-6C29-47DC-AF8A-FDB3C787DF70}" type="datetime1">
               <a:rPr lang="uk-UA" smtClean="0"/>
               <a:pPr/>
-              <a:t>04.04.2021</a:t>
+              <a:t>05.04.2021</a:t>
             </a:fld>
             <a:endParaRPr lang="uk-UA"/>
           </a:p>
@@ -1715,7 +1762,7 @@
             <a:fld id="{1657D9C5-7FF1-434F-B56E-9BAD559744E9}" type="datetime1">
               <a:rPr lang="uk-UA" smtClean="0"/>
               <a:pPr/>
-              <a:t>04.04.2021</a:t>
+              <a:t>05.04.2021</a:t>
             </a:fld>
             <a:endParaRPr lang="uk-UA"/>
           </a:p>
@@ -1958,7 +2005,7 @@
             <a:fld id="{2CEB0FC9-DE63-476B-A1A9-BE934D9049F8}" type="datetime1">
               <a:rPr lang="uk-UA" smtClean="0"/>
               <a:pPr/>
-              <a:t>04.04.2021</a:t>
+              <a:t>05.04.2021</a:t>
             </a:fld>
             <a:endParaRPr lang="uk-UA"/>
           </a:p>
@@ -2243,7 +2290,7 @@
             <a:fld id="{F964460F-86E2-4DF6-9D0F-12F5005CF375}" type="datetime1">
               <a:rPr lang="uk-UA" smtClean="0"/>
               <a:pPr/>
-              <a:t>04.04.2021</a:t>
+              <a:t>05.04.2021</a:t>
             </a:fld>
             <a:endParaRPr lang="uk-UA"/>
           </a:p>
@@ -2662,7 +2709,7 @@
             <a:fld id="{C521715E-DDCD-4267-B0A5-2918B6F6768A}" type="datetime1">
               <a:rPr lang="uk-UA" smtClean="0"/>
               <a:pPr/>
-              <a:t>04.04.2021</a:t>
+              <a:t>05.04.2021</a:t>
             </a:fld>
             <a:endParaRPr lang="uk-UA"/>
           </a:p>
@@ -2777,7 +2824,7 @@
             <a:fld id="{9289842C-EB2D-4EBB-A272-2F6A49D9794D}" type="datetime1">
               <a:rPr lang="uk-UA" smtClean="0"/>
               <a:pPr/>
-              <a:t>04.04.2021</a:t>
+              <a:t>05.04.2021</a:t>
             </a:fld>
             <a:endParaRPr lang="uk-UA"/>
           </a:p>
@@ -2869,7 +2916,7 @@
             <a:fld id="{D036F091-B700-4B52-99AC-85D0FD94D904}" type="datetime1">
               <a:rPr lang="uk-UA" smtClean="0"/>
               <a:pPr/>
-              <a:t>04.04.2021</a:t>
+              <a:t>05.04.2021</a:t>
             </a:fld>
             <a:endParaRPr lang="uk-UA"/>
           </a:p>
@@ -3143,7 +3190,7 @@
             <a:fld id="{B35DFABA-3811-4634-B803-2EAC4CD0063B}" type="datetime1">
               <a:rPr lang="uk-UA" smtClean="0"/>
               <a:pPr/>
-              <a:t>04.04.2021</a:t>
+              <a:t>05.04.2021</a:t>
             </a:fld>
             <a:endParaRPr lang="uk-UA"/>
           </a:p>
@@ -3393,7 +3440,7 @@
             <a:fld id="{8A9EA25E-F88E-463A-A119-D1E55A881002}" type="datetime1">
               <a:rPr lang="uk-UA" smtClean="0"/>
               <a:pPr/>
-              <a:t>04.04.2021</a:t>
+              <a:t>05.04.2021</a:t>
             </a:fld>
             <a:endParaRPr lang="uk-UA"/>
           </a:p>
@@ -3603,7 +3650,7 @@
             <a:fld id="{E708ED03-0080-49A2-B709-7DA4ACB3A1C3}" type="datetime1">
               <a:rPr lang="uk-UA" smtClean="0"/>
               <a:pPr/>
-              <a:t>04.04.2021</a:t>
+              <a:t>05.04.2021</a:t>
             </a:fld>
             <a:endParaRPr lang="uk-UA"/>
           </a:p>
@@ -11378,7 +11425,7 @@
         </p:nvSpPr>
         <p:spPr>
           <a:xfrm>
-            <a:off x="0" y="238945"/>
+            <a:off x="0" y="406405"/>
             <a:ext cx="12192000" cy="646331"/>
           </a:xfrm>
           <a:prstGeom prst="rect">
@@ -11413,8 +11460,8 @@
         </p:nvSpPr>
         <p:spPr>
           <a:xfrm>
-            <a:off x="7032104" y="2852936"/>
-            <a:ext cx="4248472" cy="1569660"/>
+            <a:off x="6634588" y="2961382"/>
+            <a:ext cx="4248472" cy="830997"/>
           </a:xfrm>
           <a:prstGeom prst="rect">
             <a:avLst/>
@@ -11429,61 +11476,57 @@
           <a:p>
             <a:r>
               <a:rPr lang="ru-RU" sz="2400" dirty="0"/>
-              <a:t>Подготовьте разметку на основе таких команд </a:t>
-            </a:r>
-            <a:r>
-              <a:rPr lang="en-US" sz="2400" b="1" dirty="0"/>
-              <a:t>Emmet</a:t>
-            </a:r>
-            <a:r>
-              <a:rPr lang="en-US" sz="2400" dirty="0"/>
-              <a:t>’</a:t>
-            </a:r>
-            <a:r>
-              <a:rPr lang="uk-UA" sz="2400" dirty="0"/>
-              <a:t>а</a:t>
-            </a:r>
-            <a:r>
-              <a:rPr lang="en-US" sz="2400" dirty="0"/>
-              <a:t> </a:t>
-            </a:r>
-            <a:r>
-              <a:rPr lang="uk-UA" sz="2400" dirty="0"/>
-              <a:t>в </a:t>
-            </a:r>
-            <a:r>
-              <a:rPr lang="en-US" sz="2400" b="1" dirty="0" err="1"/>
-              <a:t>VSCode</a:t>
-            </a:r>
-            <a:r>
-              <a:rPr lang="en-US" sz="2400" b="1" dirty="0"/>
-              <a:t> </a:t>
-            </a:r>
-            <a:r>
-              <a:rPr lang="en-US" sz="2400" dirty="0"/>
-              <a:t>(</a:t>
-            </a:r>
-            <a:r>
-              <a:rPr lang="uk-UA" sz="2400" dirty="0"/>
-              <a:t>команд</a:t>
-            </a:r>
-            <a:r>
-              <a:rPr lang="ru-RU" sz="2400" dirty="0"/>
-              <a:t>ы выполняются по одной</a:t>
-            </a:r>
-            <a:r>
-              <a:rPr lang="en-US" sz="2400" dirty="0"/>
-              <a:t>)</a:t>
-            </a:r>
+              <a:t>Скачайте шаблон-заготовку и откройте его в редакторе.</a:t>
+            </a:r>
+            <a:endParaRPr lang="en-US" sz="2400" dirty="0"/>
+          </a:p>
+        </p:txBody>
+      </p:sp>
+      <p:sp>
+        <p:nvSpPr>
+          <p:cNvPr id="8" name="TextBox 7">
+            <a:extLst>
+              <a:ext uri="{FF2B5EF4-FFF2-40B4-BE49-F238E27FC236}">
+                <a16:creationId xmlns:a16="http://schemas.microsoft.com/office/drawing/2014/main" id="{561CCFDE-4F2F-4E35-A42C-47A1248FE89C}"/>
+              </a:ext>
+            </a:extLst>
+          </p:cNvPr>
+          <p:cNvSpPr txBox="1"/>
+          <p:nvPr/>
+        </p:nvSpPr>
+        <p:spPr>
+          <a:xfrm>
+            <a:off x="0" y="5979875"/>
+            <a:ext cx="12192000" cy="461665"/>
+          </a:xfrm>
+          <a:prstGeom prst="rect">
+            <a:avLst/>
+          </a:prstGeom>
+          <a:noFill/>
+        </p:spPr>
+        <p:txBody>
+          <a:bodyPr wrap="square">
+            <a:spAutoFit/>
+          </a:bodyPr>
+          <a:lstStyle/>
+          <a:p>
+            <a:pPr algn="ctr"/>
+            <a:r>
+              <a:rPr lang="uk-UA" sz="2400" b="1" dirty="0">
+                <a:hlinkClick r:id="rId2"/>
+              </a:rPr>
+              <a:t>https://github.com/filebase-xyz/css-box-model/archive/master.zip</a:t>
+            </a:r>
+            <a:endParaRPr lang="uk-UA" sz="2400" b="1" dirty="0"/>
           </a:p>
         </p:txBody>
       </p:sp>
       <p:pic>
         <p:nvPicPr>
-          <p:cNvPr id="5" name="Рисунок 4">
+          <p:cNvPr id="6" name="Рисунок 5">
             <a:extLst>
               <a:ext uri="{FF2B5EF4-FFF2-40B4-BE49-F238E27FC236}">
-                <a16:creationId xmlns:a16="http://schemas.microsoft.com/office/drawing/2014/main" id="{EBCB33C5-58DF-4628-BADC-3286DE08039F}"/>
+                <a16:creationId xmlns:a16="http://schemas.microsoft.com/office/drawing/2014/main" id="{B21D341D-571F-4C1A-AEE1-ED477EFC18BB}"/>
               </a:ext>
             </a:extLst>
           </p:cNvPr>
@@ -11493,26 +11536,32 @@
           <p:nvPr/>
         </p:nvPicPr>
         <p:blipFill>
-          <a:blip r:embed="rId2"/>
+          <a:blip r:embed="rId3"/>
           <a:stretch>
             <a:fillRect/>
           </a:stretch>
         </p:blipFill>
         <p:spPr>
           <a:xfrm>
-            <a:off x="1487488" y="1718478"/>
-            <a:ext cx="4791075" cy="3838575"/>
+            <a:off x="1343472" y="1669426"/>
+            <a:ext cx="4213942" cy="3414910"/>
           </a:xfrm>
           <a:prstGeom prst="rect">
             <a:avLst/>
           </a:prstGeom>
-          <a:ln>
-            <a:noFill/>
+          <a:ln w="12700">
+            <a:solidFill>
+              <a:schemeClr val="accent1">
+                <a:lumMod val="60000"/>
+                <a:lumOff val="40000"/>
+              </a:schemeClr>
+            </a:solidFill>
+            <a:prstDash val="dash"/>
           </a:ln>
           <a:effectLst>
-            <a:outerShdw blurRad="292100" dist="139700" dir="2700000" algn="tl" rotWithShape="0">
-              <a:srgbClr val="333333">
-                <a:alpha val="65000"/>
+            <a:outerShdw blurRad="190500" algn="tl" rotWithShape="0">
+              <a:srgbClr val="000000">
+                <a:alpha val="70000"/>
               </a:srgbClr>
             </a:outerShdw>
           </a:effectLst>
